--- a/Chapter_01_git.pptx
+++ b/Chapter_01_git.pptx
@@ -8,31 +8,32 @@
     <p:sldId id="291" r:id="rId2"/>
     <p:sldId id="292" r:id="rId3"/>
     <p:sldId id="293" r:id="rId4"/>
-    <p:sldId id="294" r:id="rId5"/>
-    <p:sldId id="295" r:id="rId6"/>
-    <p:sldId id="296" r:id="rId7"/>
-    <p:sldId id="297" r:id="rId8"/>
-    <p:sldId id="298" r:id="rId9"/>
-    <p:sldId id="299" r:id="rId10"/>
-    <p:sldId id="300" r:id="rId11"/>
-    <p:sldId id="301" r:id="rId12"/>
-    <p:sldId id="302" r:id="rId13"/>
-    <p:sldId id="303" r:id="rId14"/>
-    <p:sldId id="256" r:id="rId15"/>
-    <p:sldId id="257" r:id="rId16"/>
-    <p:sldId id="258" r:id="rId17"/>
-    <p:sldId id="259" r:id="rId18"/>
-    <p:sldId id="260" r:id="rId19"/>
-    <p:sldId id="261" r:id="rId20"/>
-    <p:sldId id="262" r:id="rId21"/>
-    <p:sldId id="263" r:id="rId22"/>
-    <p:sldId id="264" r:id="rId23"/>
-    <p:sldId id="265" r:id="rId24"/>
-    <p:sldId id="266" r:id="rId25"/>
-    <p:sldId id="267" r:id="rId26"/>
-    <p:sldId id="268" r:id="rId27"/>
-    <p:sldId id="269" r:id="rId28"/>
-    <p:sldId id="270" r:id="rId29"/>
+    <p:sldId id="304" r:id="rId5"/>
+    <p:sldId id="294" r:id="rId6"/>
+    <p:sldId id="295" r:id="rId7"/>
+    <p:sldId id="296" r:id="rId8"/>
+    <p:sldId id="297" r:id="rId9"/>
+    <p:sldId id="298" r:id="rId10"/>
+    <p:sldId id="299" r:id="rId11"/>
+    <p:sldId id="300" r:id="rId12"/>
+    <p:sldId id="301" r:id="rId13"/>
+    <p:sldId id="302" r:id="rId14"/>
+    <p:sldId id="303" r:id="rId15"/>
+    <p:sldId id="256" r:id="rId16"/>
+    <p:sldId id="257" r:id="rId17"/>
+    <p:sldId id="258" r:id="rId18"/>
+    <p:sldId id="259" r:id="rId19"/>
+    <p:sldId id="260" r:id="rId20"/>
+    <p:sldId id="261" r:id="rId21"/>
+    <p:sldId id="262" r:id="rId22"/>
+    <p:sldId id="263" r:id="rId23"/>
+    <p:sldId id="264" r:id="rId24"/>
+    <p:sldId id="265" r:id="rId25"/>
+    <p:sldId id="266" r:id="rId26"/>
+    <p:sldId id="267" r:id="rId27"/>
+    <p:sldId id="268" r:id="rId28"/>
+    <p:sldId id="269" r:id="rId29"/>
+    <p:sldId id="270" r:id="rId30"/>
   </p:sldIdLst>
   <p:sldSz cx="9144000" cy="6858000" type="screen4x3"/>
   <p:notesSz cx="6858000" cy="9144000"/>
@@ -1453,6 +1454,275 @@
           <a:lstStyle/>
           <a:p>
             <a:r>
+              <a:rPr lang="en-US" altLang="ko-KR" dirty="0" err="1" smtClean="0"/>
+              <a:t>git</a:t>
+            </a:r>
+            <a:r>
+              <a:rPr lang="ko-KR" altLang="en-US" dirty="0" smtClean="0"/>
+              <a:t>을 이용한 파일 버전 관리 </a:t>
+            </a:r>
+            <a:r>
+              <a:rPr lang="en-US" altLang="ko-KR" dirty="0" smtClean="0"/>
+              <a:t>– 1</a:t>
+            </a:r>
+            <a:endParaRPr lang="ko-KR" altLang="en-US" dirty="0"/>
+          </a:p>
+        </p:txBody>
+      </p:sp>
+      <p:sp>
+        <p:nvSpPr>
+          <p:cNvPr id="3" name="내용 개체 틀 2"/>
+          <p:cNvSpPr>
+            <a:spLocks noGrp="1"/>
+          </p:cNvSpPr>
+          <p:nvPr>
+            <p:ph idx="1"/>
+          </p:nvPr>
+        </p:nvSpPr>
+        <p:spPr/>
+        <p:txBody>
+          <a:bodyPr/>
+          <a:lstStyle/>
+          <a:p>
+            <a:r>
+              <a:rPr lang="en-US" altLang="ko-KR" dirty="0" smtClean="0"/>
+              <a:t> </a:t>
+            </a:r>
+            <a:r>
+              <a:rPr lang="ko-KR" altLang="en-US" dirty="0" smtClean="0"/>
+              <a:t>스냅샷을 이용한 버전 관리</a:t>
+            </a:r>
+            <a:endParaRPr lang="en-US" altLang="ko-KR" dirty="0" smtClean="0"/>
+          </a:p>
+          <a:p>
+            <a:pPr lvl="1"/>
+            <a:r>
+              <a:rPr lang="ko-KR" altLang="en-US" dirty="0" smtClean="0"/>
+              <a:t> 스냅샷을 이용한 파일 시스템은 </a:t>
+            </a:r>
+            <a:r>
+              <a:rPr lang="ko-KR" altLang="en-US" dirty="0" smtClean="0">
+                <a:solidFill>
+                  <a:schemeClr val="accent6"/>
+                </a:solidFill>
+              </a:rPr>
+              <a:t>변경 전 파일에 대한 정보만 링크</a:t>
+            </a:r>
+            <a:r>
+              <a:rPr lang="ko-KR" altLang="en-US" dirty="0" smtClean="0"/>
+              <a:t>로 사용</a:t>
+            </a:r>
+            <a:endParaRPr lang="en-US" altLang="ko-KR" dirty="0" smtClean="0"/>
+          </a:p>
+          <a:p>
+            <a:pPr lvl="4"/>
+            <a:endParaRPr lang="en-US" altLang="ko-KR" dirty="0" smtClean="0"/>
+          </a:p>
+          <a:p>
+            <a:pPr lvl="1"/>
+            <a:r>
+              <a:rPr lang="en-US" altLang="ko-KR" dirty="0"/>
+              <a:t> </a:t>
+            </a:r>
+            <a:r>
+              <a:rPr lang="ko-KR" altLang="en-US" dirty="0" smtClean="0"/>
+              <a:t>스냅샷 </a:t>
+            </a:r>
+            <a:r>
+              <a:rPr lang="ko-KR" altLang="en-US" dirty="0"/>
+              <a:t>기반 버전 관리 시스템의</a:t>
+            </a:r>
+            <a:r>
+              <a:rPr lang="en-US" altLang="ko-KR" dirty="0"/>
+              <a:t> </a:t>
+            </a:r>
+            <a:r>
+              <a:rPr lang="ko-KR" altLang="en-US" dirty="0" smtClean="0"/>
+              <a:t>사용</a:t>
+            </a:r>
+            <a:endParaRPr lang="en-US" altLang="ko-KR" dirty="0" smtClean="0"/>
+          </a:p>
+          <a:p>
+            <a:pPr lvl="2"/>
+            <a:r>
+              <a:rPr lang="en-US" altLang="ko-KR" dirty="0"/>
+              <a:t> </a:t>
+            </a:r>
+            <a:r>
+              <a:rPr lang="en-US" altLang="ko-KR" dirty="0" smtClean="0"/>
+              <a:t>Version 4</a:t>
+            </a:r>
+            <a:r>
+              <a:rPr lang="ko-KR" altLang="en-US" dirty="0" smtClean="0"/>
+              <a:t>를 </a:t>
+            </a:r>
+            <a:r>
+              <a:rPr lang="ko-KR" altLang="en-US" dirty="0"/>
+              <a:t>가져올</a:t>
+            </a:r>
+            <a:r>
+              <a:rPr lang="en-US" altLang="ko-KR" dirty="0"/>
+              <a:t>(Checkout)</a:t>
+            </a:r>
+            <a:r>
+              <a:rPr lang="ko-KR" altLang="en-US" dirty="0"/>
+              <a:t> </a:t>
+            </a:r>
+            <a:r>
+              <a:rPr lang="ko-KR" altLang="en-US" dirty="0" smtClean="0"/>
+              <a:t>경우</a:t>
+            </a:r>
+            <a:endParaRPr lang="en-US" altLang="ko-KR" dirty="0" smtClean="0"/>
+          </a:p>
+          <a:p>
+            <a:pPr lvl="2"/>
+            <a:r>
+              <a:rPr lang="en-US" altLang="ko-KR" dirty="0"/>
+              <a:t> </a:t>
+            </a:r>
+            <a:r>
+              <a:rPr lang="en-US" altLang="ko-KR" dirty="0" smtClean="0"/>
+              <a:t>A2, B1, C2 </a:t>
+            </a:r>
+            <a:r>
+              <a:rPr lang="ko-KR" altLang="en-US" dirty="0" smtClean="0"/>
+              <a:t>파일을 그대로 가져오기만 하면 문제 해결</a:t>
+            </a:r>
+            <a:endParaRPr lang="en-US" altLang="ko-KR" dirty="0" smtClean="0"/>
+          </a:p>
+          <a:p>
+            <a:pPr lvl="2"/>
+            <a:r>
+              <a:rPr lang="en-US" altLang="ko-KR" dirty="0"/>
+              <a:t> </a:t>
+            </a:r>
+            <a:r>
+              <a:rPr lang="en-US" altLang="ko-KR" dirty="0" smtClean="0"/>
+              <a:t>C2 </a:t>
+            </a:r>
+            <a:r>
+              <a:rPr lang="ko-KR" altLang="en-US" dirty="0" smtClean="0"/>
+              <a:t>파일은 링크로 구성되고</a:t>
+            </a:r>
+            <a:r>
+              <a:rPr lang="en-US" altLang="ko-KR" dirty="0" smtClean="0"/>
+              <a:t>, </a:t>
+            </a:r>
+            <a:r>
+              <a:rPr lang="ko-KR" altLang="en-US" dirty="0" smtClean="0"/>
+              <a:t>변경이 발생하면 </a:t>
+            </a:r>
+            <a:r>
+              <a:rPr lang="en-US" altLang="ko-KR" dirty="0" smtClean="0"/>
+              <a:t>C3</a:t>
+            </a:r>
+            <a:r>
+              <a:rPr lang="ko-KR" altLang="en-US" dirty="0" smtClean="0"/>
+              <a:t>로 저장하면 완료</a:t>
+            </a:r>
+            <a:endParaRPr lang="ko-KR" altLang="en-US" dirty="0"/>
+          </a:p>
+        </p:txBody>
+      </p:sp>
+      <p:pic>
+        <p:nvPicPr>
+          <p:cNvPr id="1026" name="Picture 2" descr="시간순으로 프로젝트의 스냅샷을 저장."/>
+          <p:cNvPicPr>
+            <a:picLocks noChangeAspect="1" noChangeArrowheads="1"/>
+          </p:cNvPicPr>
+          <p:nvPr/>
+        </p:nvPicPr>
+        <p:blipFill>
+          <a:blip r:embed="rId2">
+            <a:extLst>
+              <a:ext uri="{28A0092B-C50C-407E-A947-70E740481C1C}">
+                <a14:useLocalDpi xmlns:a14="http://schemas.microsoft.com/office/drawing/2010/main" val="0"/>
+              </a:ext>
+            </a:extLst>
+          </a:blip>
+          <a:srcRect/>
+          <a:stretch>
+            <a:fillRect/>
+          </a:stretch>
+        </p:blipFill>
+        <p:spPr bwMode="auto">
+          <a:xfrm>
+            <a:off x="783439" y="3548065"/>
+            <a:ext cx="7620000" cy="2905125"/>
+          </a:xfrm>
+          <a:prstGeom prst="rect">
+            <a:avLst/>
+          </a:prstGeom>
+          <a:noFill/>
+          <a:ln>
+            <a:solidFill>
+              <a:schemeClr val="tx1"/>
+            </a:solidFill>
+          </a:ln>
+          <a:extLst>
+            <a:ext uri="{909E8E84-426E-40DD-AFC4-6F175D3DCCD1}">
+              <a14:hiddenFill xmlns:a14="http://schemas.microsoft.com/office/drawing/2010/main">
+                <a:solidFill>
+                  <a:srgbClr val="FFFFFF"/>
+                </a:solidFill>
+              </a14:hiddenFill>
+            </a:ext>
+          </a:extLst>
+        </p:spPr>
+      </p:pic>
+    </p:spTree>
+    <p:extLst>
+      <p:ext uri="{BB962C8B-B14F-4D97-AF65-F5344CB8AC3E}">
+        <p14:creationId xmlns:p14="http://schemas.microsoft.com/office/powerpoint/2010/main" val="1959029731"/>
+      </p:ext>
+    </p:extLst>
+  </p:cSld>
+  <p:clrMapOvr>
+    <a:masterClrMapping/>
+  </p:clrMapOvr>
+  <p:timing>
+    <p:tnLst>
+      <p:par>
+        <p:cTn id="1" dur="indefinite" restart="never" nodeType="tmRoot"/>
+      </p:par>
+    </p:tnLst>
+  </p:timing>
+</p:sld>
+</file>
+
+<file path=ppt/slides/slide11.xml><?xml version="1.0" encoding="utf-8"?>
+<p:sld xmlns:a="http://schemas.openxmlformats.org/drawingml/2006/main" xmlns:r="http://schemas.openxmlformats.org/officeDocument/2006/relationships" xmlns:p="http://schemas.openxmlformats.org/presentationml/2006/main">
+  <p:cSld>
+    <p:spTree>
+      <p:nvGrpSpPr>
+        <p:cNvPr id="1" name=""/>
+        <p:cNvGrpSpPr/>
+        <p:nvPr/>
+      </p:nvGrpSpPr>
+      <p:grpSpPr>
+        <a:xfrm>
+          <a:off x="0" y="0"/>
+          <a:ext cx="0" cy="0"/>
+          <a:chOff x="0" y="0"/>
+          <a:chExt cx="0" cy="0"/>
+        </a:xfrm>
+      </p:grpSpPr>
+      <p:sp>
+        <p:nvSpPr>
+          <p:cNvPr id="2" name="제목 1"/>
+          <p:cNvSpPr>
+            <a:spLocks noGrp="1"/>
+          </p:cNvSpPr>
+          <p:nvPr>
+            <p:ph type="title"/>
+          </p:nvPr>
+        </p:nvSpPr>
+        <p:spPr/>
+        <p:txBody>
+          <a:bodyPr/>
+          <a:lstStyle/>
+          <a:p>
+            <a:r>
               <a:rPr lang="en-US" altLang="ko-KR" dirty="0" err="1"/>
               <a:t>git</a:t>
             </a:r>
@@ -1838,7 +2108,7 @@
 </p:sld>
 </file>
 
-<file path=ppt/slides/slide11.xml><?xml version="1.0" encoding="utf-8"?>
+<file path=ppt/slides/slide12.xml><?xml version="1.0" encoding="utf-8"?>
 <p:sld xmlns:a="http://schemas.openxmlformats.org/drawingml/2006/main" xmlns:r="http://schemas.openxmlformats.org/officeDocument/2006/relationships" xmlns:p="http://schemas.openxmlformats.org/presentationml/2006/main">
   <p:cSld>
     <p:spTree>
@@ -2776,7 +3046,7 @@
 </p:sld>
 </file>
 
-<file path=ppt/slides/slide12.xml><?xml version="1.0" encoding="utf-8"?>
+<file path=ppt/slides/slide13.xml><?xml version="1.0" encoding="utf-8"?>
 <p:sld xmlns:a="http://schemas.openxmlformats.org/drawingml/2006/main" xmlns:r="http://schemas.openxmlformats.org/officeDocument/2006/relationships" xmlns:p="http://schemas.openxmlformats.org/presentationml/2006/main">
   <p:cSld>
     <p:spTree>
@@ -4127,7 +4397,7 @@
 </p:sld>
 </file>
 
-<file path=ppt/slides/slide13.xml><?xml version="1.0" encoding="utf-8"?>
+<file path=ppt/slides/slide14.xml><?xml version="1.0" encoding="utf-8"?>
 <p:sld xmlns:a="http://schemas.openxmlformats.org/drawingml/2006/main" xmlns:r="http://schemas.openxmlformats.org/officeDocument/2006/relationships" xmlns:p="http://schemas.openxmlformats.org/presentationml/2006/main">
   <p:cSld>
     <p:spTree>
@@ -4686,104 +4956,6 @@
     <p:extLst>
       <p:ext uri="{BB962C8B-B14F-4D97-AF65-F5344CB8AC3E}">
         <p14:creationId xmlns:p14="http://schemas.microsoft.com/office/powerpoint/2010/main" val="244313599"/>
-      </p:ext>
-    </p:extLst>
-  </p:cSld>
-  <p:clrMapOvr>
-    <a:masterClrMapping/>
-  </p:clrMapOvr>
-  <p:timing>
-    <p:tnLst>
-      <p:par>
-        <p:cTn id="1" dur="indefinite" restart="never" nodeType="tmRoot"/>
-      </p:par>
-    </p:tnLst>
-  </p:timing>
-</p:sld>
-</file>
-
-<file path=ppt/slides/slide14.xml><?xml version="1.0" encoding="utf-8"?>
-<p:sld xmlns:a="http://schemas.openxmlformats.org/drawingml/2006/main" xmlns:r="http://schemas.openxmlformats.org/officeDocument/2006/relationships" xmlns:p="http://schemas.openxmlformats.org/presentationml/2006/main">
-  <p:cSld>
-    <p:spTree>
-      <p:nvGrpSpPr>
-        <p:cNvPr id="1" name=""/>
-        <p:cNvGrpSpPr/>
-        <p:nvPr/>
-      </p:nvGrpSpPr>
-      <p:grpSpPr>
-        <a:xfrm>
-          <a:off x="0" y="0"/>
-          <a:ext cx="0" cy="0"/>
-          <a:chOff x="0" y="0"/>
-          <a:chExt cx="0" cy="0"/>
-        </a:xfrm>
-      </p:grpSpPr>
-      <p:sp>
-        <p:nvSpPr>
-          <p:cNvPr id="2" name="제목 1"/>
-          <p:cNvSpPr>
-            <a:spLocks noGrp="1"/>
-          </p:cNvSpPr>
-          <p:nvPr>
-            <p:ph type="ctrTitle"/>
-          </p:nvPr>
-        </p:nvSpPr>
-        <p:spPr/>
-        <p:txBody>
-          <a:bodyPr/>
-          <a:lstStyle/>
-          <a:p>
-            <a:r>
-              <a:rPr lang="en-US" altLang="ko-KR" dirty="0" err="1" smtClean="0"/>
-              <a:t>git</a:t>
-            </a:r>
-            <a:r>
-              <a:rPr lang="en-US" altLang="ko-KR" dirty="0" smtClean="0"/>
-              <a:t> </a:t>
-            </a:r>
-            <a:r>
-              <a:rPr lang="ko-KR" altLang="en-US" dirty="0" smtClean="0"/>
-              <a:t>설치와 기본 설정</a:t>
-            </a:r>
-            <a:endParaRPr lang="ko-KR" altLang="en-US" dirty="0"/>
-          </a:p>
-        </p:txBody>
-      </p:sp>
-      <p:sp>
-        <p:nvSpPr>
-          <p:cNvPr id="3" name="부제목 2"/>
-          <p:cNvSpPr>
-            <a:spLocks noGrp="1"/>
-          </p:cNvSpPr>
-          <p:nvPr>
-            <p:ph type="subTitle" idx="1"/>
-          </p:nvPr>
-        </p:nvSpPr>
-        <p:spPr/>
-        <p:txBody>
-          <a:bodyPr/>
-          <a:lstStyle/>
-          <a:p>
-            <a:r>
-              <a:rPr lang="ko-KR" altLang="en-US" dirty="0" smtClean="0"/>
-              <a:t>컴퓨터소프트웨어공학과</a:t>
-            </a:r>
-            <a:endParaRPr lang="en-US" altLang="ko-KR" dirty="0" smtClean="0"/>
-          </a:p>
-          <a:p>
-            <a:r>
-              <a:rPr lang="ko-KR" altLang="en-US" dirty="0" smtClean="0"/>
-              <a:t>김 원 일</a:t>
-            </a:r>
-            <a:endParaRPr lang="ko-KR" altLang="en-US" dirty="0"/>
-          </a:p>
-        </p:txBody>
-      </p:sp>
-    </p:spTree>
-    <p:extLst>
-      <p:ext uri="{BB962C8B-B14F-4D97-AF65-F5344CB8AC3E}">
-        <p14:creationId xmlns:p14="http://schemas.microsoft.com/office/powerpoint/2010/main" val="720163703"/>
       </p:ext>
     </p:extLst>
   </p:cSld>
@@ -4824,6 +4996,104 @@
             <a:spLocks noGrp="1"/>
           </p:cNvSpPr>
           <p:nvPr>
+            <p:ph type="ctrTitle"/>
+          </p:nvPr>
+        </p:nvSpPr>
+        <p:spPr/>
+        <p:txBody>
+          <a:bodyPr/>
+          <a:lstStyle/>
+          <a:p>
+            <a:r>
+              <a:rPr lang="en-US" altLang="ko-KR" dirty="0" err="1" smtClean="0"/>
+              <a:t>git</a:t>
+            </a:r>
+            <a:r>
+              <a:rPr lang="en-US" altLang="ko-KR" dirty="0" smtClean="0"/>
+              <a:t> </a:t>
+            </a:r>
+            <a:r>
+              <a:rPr lang="ko-KR" altLang="en-US" dirty="0" smtClean="0"/>
+              <a:t>설치와 기본 설정</a:t>
+            </a:r>
+            <a:endParaRPr lang="ko-KR" altLang="en-US" dirty="0"/>
+          </a:p>
+        </p:txBody>
+      </p:sp>
+      <p:sp>
+        <p:nvSpPr>
+          <p:cNvPr id="3" name="부제목 2"/>
+          <p:cNvSpPr>
+            <a:spLocks noGrp="1"/>
+          </p:cNvSpPr>
+          <p:nvPr>
+            <p:ph type="subTitle" idx="1"/>
+          </p:nvPr>
+        </p:nvSpPr>
+        <p:spPr/>
+        <p:txBody>
+          <a:bodyPr/>
+          <a:lstStyle/>
+          <a:p>
+            <a:r>
+              <a:rPr lang="ko-KR" altLang="en-US" dirty="0" smtClean="0"/>
+              <a:t>컴퓨터소프트웨어공학과</a:t>
+            </a:r>
+            <a:endParaRPr lang="en-US" altLang="ko-KR" dirty="0" smtClean="0"/>
+          </a:p>
+          <a:p>
+            <a:r>
+              <a:rPr lang="ko-KR" altLang="en-US" dirty="0" smtClean="0"/>
+              <a:t>김 원 일</a:t>
+            </a:r>
+            <a:endParaRPr lang="ko-KR" altLang="en-US" dirty="0"/>
+          </a:p>
+        </p:txBody>
+      </p:sp>
+    </p:spTree>
+    <p:extLst>
+      <p:ext uri="{BB962C8B-B14F-4D97-AF65-F5344CB8AC3E}">
+        <p14:creationId xmlns:p14="http://schemas.microsoft.com/office/powerpoint/2010/main" val="720163703"/>
+      </p:ext>
+    </p:extLst>
+  </p:cSld>
+  <p:clrMapOvr>
+    <a:masterClrMapping/>
+  </p:clrMapOvr>
+  <p:timing>
+    <p:tnLst>
+      <p:par>
+        <p:cTn id="1" dur="indefinite" restart="never" nodeType="tmRoot"/>
+      </p:par>
+    </p:tnLst>
+  </p:timing>
+</p:sld>
+</file>
+
+<file path=ppt/slides/slide16.xml><?xml version="1.0" encoding="utf-8"?>
+<p:sld xmlns:a="http://schemas.openxmlformats.org/drawingml/2006/main" xmlns:r="http://schemas.openxmlformats.org/officeDocument/2006/relationships" xmlns:p="http://schemas.openxmlformats.org/presentationml/2006/main">
+  <p:cSld>
+    <p:spTree>
+      <p:nvGrpSpPr>
+        <p:cNvPr id="1" name=""/>
+        <p:cNvGrpSpPr/>
+        <p:nvPr/>
+      </p:nvGrpSpPr>
+      <p:grpSpPr>
+        <a:xfrm>
+          <a:off x="0" y="0"/>
+          <a:ext cx="0" cy="0"/>
+          <a:chOff x="0" y="0"/>
+          <a:chExt cx="0" cy="0"/>
+        </a:xfrm>
+      </p:grpSpPr>
+      <p:sp>
+        <p:nvSpPr>
+          <p:cNvPr id="2" name="제목 1"/>
+          <p:cNvSpPr>
+            <a:spLocks noGrp="1"/>
+          </p:cNvSpPr>
+          <p:nvPr>
             <p:ph type="title"/>
           </p:nvPr>
         </p:nvSpPr>
@@ -5054,7 +5324,7 @@
 </p:sld>
 </file>
 
-<file path=ppt/slides/slide16.xml><?xml version="1.0" encoding="utf-8"?>
+<file path=ppt/slides/slide17.xml><?xml version="1.0" encoding="utf-8"?>
 <p:sld xmlns:a="http://schemas.openxmlformats.org/drawingml/2006/main" xmlns:r="http://schemas.openxmlformats.org/officeDocument/2006/relationships" xmlns:p="http://schemas.openxmlformats.org/presentationml/2006/main">
   <p:cSld>
     <p:spTree>
@@ -5277,7 +5547,7 @@
 </p:sld>
 </file>
 
-<file path=ppt/slides/slide17.xml><?xml version="1.0" encoding="utf-8"?>
+<file path=ppt/slides/slide18.xml><?xml version="1.0" encoding="utf-8"?>
 <p:sld xmlns:a="http://schemas.openxmlformats.org/drawingml/2006/main" xmlns:r="http://schemas.openxmlformats.org/officeDocument/2006/relationships" xmlns:p="http://schemas.openxmlformats.org/presentationml/2006/main">
   <p:cSld>
     <p:spTree>
@@ -5520,7 +5790,7 @@
 </p:sld>
 </file>
 
-<file path=ppt/slides/slide18.xml><?xml version="1.0" encoding="utf-8"?>
+<file path=ppt/slides/slide19.xml><?xml version="1.0" encoding="utf-8"?>
 <p:sld xmlns:a="http://schemas.openxmlformats.org/drawingml/2006/main" xmlns:r="http://schemas.openxmlformats.org/officeDocument/2006/relationships" xmlns:p="http://schemas.openxmlformats.org/presentationml/2006/main">
   <p:cSld>
     <p:spTree>
@@ -5775,7 +6045,150 @@
 </p:sld>
 </file>
 
-<file path=ppt/slides/slide19.xml><?xml version="1.0" encoding="utf-8"?>
+<file path=ppt/slides/slide2.xml><?xml version="1.0" encoding="utf-8"?>
+<p:sld xmlns:a="http://schemas.openxmlformats.org/drawingml/2006/main" xmlns:r="http://schemas.openxmlformats.org/officeDocument/2006/relationships" xmlns:p="http://schemas.openxmlformats.org/presentationml/2006/main">
+  <p:cSld>
+    <p:spTree>
+      <p:nvGrpSpPr>
+        <p:cNvPr id="1" name=""/>
+        <p:cNvGrpSpPr/>
+        <p:nvPr/>
+      </p:nvGrpSpPr>
+      <p:grpSpPr>
+        <a:xfrm>
+          <a:off x="0" y="0"/>
+          <a:ext cx="0" cy="0"/>
+          <a:chOff x="0" y="0"/>
+          <a:chExt cx="0" cy="0"/>
+        </a:xfrm>
+      </p:grpSpPr>
+      <p:sp>
+        <p:nvSpPr>
+          <p:cNvPr id="2" name="제목 1"/>
+          <p:cNvSpPr>
+            <a:spLocks noGrp="1"/>
+          </p:cNvSpPr>
+          <p:nvPr>
+            <p:ph type="title"/>
+          </p:nvPr>
+        </p:nvSpPr>
+        <p:spPr/>
+        <p:txBody>
+          <a:bodyPr/>
+          <a:lstStyle/>
+          <a:p>
+            <a:r>
+              <a:rPr lang="en-US" altLang="ko-KR" dirty="0" err="1" smtClean="0"/>
+              <a:t>git</a:t>
+            </a:r>
+            <a:r>
+              <a:rPr lang="ko-KR" altLang="en-US" dirty="0" smtClean="0"/>
+              <a:t> </a:t>
+            </a:r>
+            <a:r>
+              <a:rPr lang="en-US" altLang="ko-KR" dirty="0" smtClean="0"/>
+              <a:t>online book</a:t>
+            </a:r>
+            <a:endParaRPr lang="ko-KR" altLang="en-US" dirty="0"/>
+          </a:p>
+        </p:txBody>
+      </p:sp>
+      <p:sp>
+        <p:nvSpPr>
+          <p:cNvPr id="3" name="내용 개체 틀 2"/>
+          <p:cNvSpPr>
+            <a:spLocks noGrp="1"/>
+          </p:cNvSpPr>
+          <p:nvPr>
+            <p:ph idx="1"/>
+          </p:nvPr>
+        </p:nvSpPr>
+        <p:spPr/>
+        <p:txBody>
+          <a:bodyPr/>
+          <a:lstStyle/>
+          <a:p>
+            <a:r>
+              <a:rPr lang="en-US" altLang="ko-KR" dirty="0" smtClean="0"/>
+              <a:t> </a:t>
+            </a:r>
+            <a:r>
+              <a:rPr lang="en-US" altLang="ko-KR" dirty="0" err="1" smtClean="0"/>
+              <a:t>git</a:t>
+            </a:r>
+            <a:r>
+              <a:rPr lang="en-US" altLang="ko-KR" dirty="0" smtClean="0"/>
+              <a:t> book</a:t>
+            </a:r>
+            <a:endParaRPr lang="en-US" altLang="ko-KR" dirty="0"/>
+          </a:p>
+          <a:p>
+            <a:pPr lvl="1"/>
+            <a:r>
+              <a:rPr lang="en-US" altLang="ko-KR" dirty="0"/>
+              <a:t> https://</a:t>
+            </a:r>
+            <a:r>
+              <a:rPr lang="en-US" altLang="ko-KR" dirty="0" smtClean="0"/>
+              <a:t>git-scm.com/book/ko/v2</a:t>
+            </a:r>
+          </a:p>
+          <a:p>
+            <a:pPr lvl="1"/>
+            <a:endParaRPr lang="ko-KR" altLang="en-US" dirty="0"/>
+          </a:p>
+        </p:txBody>
+      </p:sp>
+      <p:pic>
+        <p:nvPicPr>
+          <p:cNvPr id="4" name="그림 3"/>
+          <p:cNvPicPr>
+            <a:picLocks noChangeAspect="1"/>
+          </p:cNvPicPr>
+          <p:nvPr/>
+        </p:nvPicPr>
+        <p:blipFill>
+          <a:blip r:embed="rId2"/>
+          <a:stretch>
+            <a:fillRect/>
+          </a:stretch>
+        </p:blipFill>
+        <p:spPr>
+          <a:xfrm>
+            <a:off x="1431403" y="2286000"/>
+            <a:ext cx="6324071" cy="4229100"/>
+          </a:xfrm>
+          <a:prstGeom prst="rect">
+            <a:avLst/>
+          </a:prstGeom>
+          <a:ln>
+            <a:solidFill>
+              <a:schemeClr val="tx1"/>
+            </a:solidFill>
+          </a:ln>
+        </p:spPr>
+      </p:pic>
+    </p:spTree>
+    <p:extLst>
+      <p:ext uri="{BB962C8B-B14F-4D97-AF65-F5344CB8AC3E}">
+        <p14:creationId xmlns:p14="http://schemas.microsoft.com/office/powerpoint/2010/main" val="1624748777"/>
+      </p:ext>
+    </p:extLst>
+  </p:cSld>
+  <p:clrMapOvr>
+    <a:masterClrMapping/>
+  </p:clrMapOvr>
+  <p:timing>
+    <p:tnLst>
+      <p:par>
+        <p:cTn id="1" dur="indefinite" restart="never" nodeType="tmRoot"/>
+      </p:par>
+    </p:tnLst>
+  </p:timing>
+</p:sld>
+</file>
+
+<file path=ppt/slides/slide20.xml><?xml version="1.0" encoding="utf-8"?>
 <p:sld xmlns:a="http://schemas.openxmlformats.org/drawingml/2006/main" xmlns:r="http://schemas.openxmlformats.org/officeDocument/2006/relationships" xmlns:p="http://schemas.openxmlformats.org/presentationml/2006/main">
   <p:cSld>
     <p:spTree>
@@ -6070,150 +6483,7 @@
 </p:sld>
 </file>
 
-<file path=ppt/slides/slide2.xml><?xml version="1.0" encoding="utf-8"?>
-<p:sld xmlns:a="http://schemas.openxmlformats.org/drawingml/2006/main" xmlns:r="http://schemas.openxmlformats.org/officeDocument/2006/relationships" xmlns:p="http://schemas.openxmlformats.org/presentationml/2006/main">
-  <p:cSld>
-    <p:spTree>
-      <p:nvGrpSpPr>
-        <p:cNvPr id="1" name=""/>
-        <p:cNvGrpSpPr/>
-        <p:nvPr/>
-      </p:nvGrpSpPr>
-      <p:grpSpPr>
-        <a:xfrm>
-          <a:off x="0" y="0"/>
-          <a:ext cx="0" cy="0"/>
-          <a:chOff x="0" y="0"/>
-          <a:chExt cx="0" cy="0"/>
-        </a:xfrm>
-      </p:grpSpPr>
-      <p:sp>
-        <p:nvSpPr>
-          <p:cNvPr id="2" name="제목 1"/>
-          <p:cNvSpPr>
-            <a:spLocks noGrp="1"/>
-          </p:cNvSpPr>
-          <p:nvPr>
-            <p:ph type="title"/>
-          </p:nvPr>
-        </p:nvSpPr>
-        <p:spPr/>
-        <p:txBody>
-          <a:bodyPr/>
-          <a:lstStyle/>
-          <a:p>
-            <a:r>
-              <a:rPr lang="en-US" altLang="ko-KR" dirty="0" err="1" smtClean="0"/>
-              <a:t>git</a:t>
-            </a:r>
-            <a:r>
-              <a:rPr lang="ko-KR" altLang="en-US" dirty="0" smtClean="0"/>
-              <a:t> </a:t>
-            </a:r>
-            <a:r>
-              <a:rPr lang="en-US" altLang="ko-KR" dirty="0" smtClean="0"/>
-              <a:t>online book</a:t>
-            </a:r>
-            <a:endParaRPr lang="ko-KR" altLang="en-US" dirty="0"/>
-          </a:p>
-        </p:txBody>
-      </p:sp>
-      <p:sp>
-        <p:nvSpPr>
-          <p:cNvPr id="3" name="내용 개체 틀 2"/>
-          <p:cNvSpPr>
-            <a:spLocks noGrp="1"/>
-          </p:cNvSpPr>
-          <p:nvPr>
-            <p:ph idx="1"/>
-          </p:nvPr>
-        </p:nvSpPr>
-        <p:spPr/>
-        <p:txBody>
-          <a:bodyPr/>
-          <a:lstStyle/>
-          <a:p>
-            <a:r>
-              <a:rPr lang="en-US" altLang="ko-KR" dirty="0" smtClean="0"/>
-              <a:t> </a:t>
-            </a:r>
-            <a:r>
-              <a:rPr lang="en-US" altLang="ko-KR" dirty="0" err="1" smtClean="0"/>
-              <a:t>git</a:t>
-            </a:r>
-            <a:r>
-              <a:rPr lang="en-US" altLang="ko-KR" dirty="0" smtClean="0"/>
-              <a:t> book</a:t>
-            </a:r>
-            <a:endParaRPr lang="en-US" altLang="ko-KR" dirty="0"/>
-          </a:p>
-          <a:p>
-            <a:pPr lvl="1"/>
-            <a:r>
-              <a:rPr lang="en-US" altLang="ko-KR" dirty="0"/>
-              <a:t> https://</a:t>
-            </a:r>
-            <a:r>
-              <a:rPr lang="en-US" altLang="ko-KR" dirty="0" smtClean="0"/>
-              <a:t>git-scm.com/book/ko/v2</a:t>
-            </a:r>
-          </a:p>
-          <a:p>
-            <a:pPr lvl="1"/>
-            <a:endParaRPr lang="ko-KR" altLang="en-US" dirty="0"/>
-          </a:p>
-        </p:txBody>
-      </p:sp>
-      <p:pic>
-        <p:nvPicPr>
-          <p:cNvPr id="4" name="그림 3"/>
-          <p:cNvPicPr>
-            <a:picLocks noChangeAspect="1"/>
-          </p:cNvPicPr>
-          <p:nvPr/>
-        </p:nvPicPr>
-        <p:blipFill>
-          <a:blip r:embed="rId2"/>
-          <a:stretch>
-            <a:fillRect/>
-          </a:stretch>
-        </p:blipFill>
-        <p:spPr>
-          <a:xfrm>
-            <a:off x="1431403" y="2286000"/>
-            <a:ext cx="6324071" cy="4229100"/>
-          </a:xfrm>
-          <a:prstGeom prst="rect">
-            <a:avLst/>
-          </a:prstGeom>
-          <a:ln>
-            <a:solidFill>
-              <a:schemeClr val="tx1"/>
-            </a:solidFill>
-          </a:ln>
-        </p:spPr>
-      </p:pic>
-    </p:spTree>
-    <p:extLst>
-      <p:ext uri="{BB962C8B-B14F-4D97-AF65-F5344CB8AC3E}">
-        <p14:creationId xmlns:p14="http://schemas.microsoft.com/office/powerpoint/2010/main" val="1624748777"/>
-      </p:ext>
-    </p:extLst>
-  </p:cSld>
-  <p:clrMapOvr>
-    <a:masterClrMapping/>
-  </p:clrMapOvr>
-  <p:timing>
-    <p:tnLst>
-      <p:par>
-        <p:cTn id="1" dur="indefinite" restart="never" nodeType="tmRoot"/>
-      </p:par>
-    </p:tnLst>
-  </p:timing>
-</p:sld>
-</file>
-
-<file path=ppt/slides/slide20.xml><?xml version="1.0" encoding="utf-8"?>
+<file path=ppt/slides/slide21.xml><?xml version="1.0" encoding="utf-8"?>
 <p:sld xmlns:a="http://schemas.openxmlformats.org/drawingml/2006/main" xmlns:r="http://schemas.openxmlformats.org/officeDocument/2006/relationships" xmlns:p="http://schemas.openxmlformats.org/presentationml/2006/main">
   <p:cSld>
     <p:spTree>
@@ -6468,7 +6738,7 @@
 </p:sld>
 </file>
 
-<file path=ppt/slides/slide21.xml><?xml version="1.0" encoding="utf-8"?>
+<file path=ppt/slides/slide22.xml><?xml version="1.0" encoding="utf-8"?>
 <p:sld xmlns:a="http://schemas.openxmlformats.org/drawingml/2006/main" xmlns:r="http://schemas.openxmlformats.org/officeDocument/2006/relationships" xmlns:p="http://schemas.openxmlformats.org/presentationml/2006/main">
   <p:cSld>
     <p:spTree>
@@ -6711,7 +6981,7 @@
 </p:sld>
 </file>
 
-<file path=ppt/slides/slide22.xml><?xml version="1.0" encoding="utf-8"?>
+<file path=ppt/slides/slide23.xml><?xml version="1.0" encoding="utf-8"?>
 <p:sld xmlns:a="http://schemas.openxmlformats.org/drawingml/2006/main" xmlns:r="http://schemas.openxmlformats.org/officeDocument/2006/relationships" xmlns:p="http://schemas.openxmlformats.org/presentationml/2006/main">
   <p:cSld>
     <p:spTree>
@@ -6974,7 +7244,7 @@
 </p:sld>
 </file>
 
-<file path=ppt/slides/slide23.xml><?xml version="1.0" encoding="utf-8"?>
+<file path=ppt/slides/slide24.xml><?xml version="1.0" encoding="utf-8"?>
 <p:sld xmlns:a="http://schemas.openxmlformats.org/drawingml/2006/main" xmlns:r="http://schemas.openxmlformats.org/officeDocument/2006/relationships" xmlns:p="http://schemas.openxmlformats.org/presentationml/2006/main">
   <p:cSld>
     <p:spTree>
@@ -7308,7 +7578,7 @@
 </p:sld>
 </file>
 
-<file path=ppt/slides/slide24.xml><?xml version="1.0" encoding="utf-8"?>
+<file path=ppt/slides/slide25.xml><?xml version="1.0" encoding="utf-8"?>
 <p:sld xmlns:a="http://schemas.openxmlformats.org/drawingml/2006/main" xmlns:r="http://schemas.openxmlformats.org/officeDocument/2006/relationships" xmlns:p="http://schemas.openxmlformats.org/presentationml/2006/main">
   <p:cSld>
     <p:spTree>
@@ -7459,7 +7729,7 @@
 </p:sld>
 </file>
 
-<file path=ppt/slides/slide25.xml><?xml version="1.0" encoding="utf-8"?>
+<file path=ppt/slides/slide26.xml><?xml version="1.0" encoding="utf-8"?>
 <p:sld xmlns:a="http://schemas.openxmlformats.org/drawingml/2006/main" xmlns:r="http://schemas.openxmlformats.org/officeDocument/2006/relationships" xmlns:p="http://schemas.openxmlformats.org/presentationml/2006/main">
   <p:cSld>
     <p:spTree>
@@ -7665,7 +7935,7 @@
 </p:sld>
 </file>
 
-<file path=ppt/slides/slide26.xml><?xml version="1.0" encoding="utf-8"?>
+<file path=ppt/slides/slide27.xml><?xml version="1.0" encoding="utf-8"?>
 <p:sld xmlns:a="http://schemas.openxmlformats.org/drawingml/2006/main" xmlns:r="http://schemas.openxmlformats.org/officeDocument/2006/relationships" xmlns:p="http://schemas.openxmlformats.org/presentationml/2006/main">
   <p:cSld>
     <p:spTree>
@@ -7895,7 +8165,7 @@
 </p:sld>
 </file>
 
-<file path=ppt/slides/slide27.xml><?xml version="1.0" encoding="utf-8"?>
+<file path=ppt/slides/slide28.xml><?xml version="1.0" encoding="utf-8"?>
 <p:sld xmlns:a="http://schemas.openxmlformats.org/drawingml/2006/main" xmlns:r="http://schemas.openxmlformats.org/officeDocument/2006/relationships" xmlns:p="http://schemas.openxmlformats.org/presentationml/2006/main">
   <p:cSld>
     <p:spTree>
@@ -8103,7 +8373,7 @@
 </p:sld>
 </file>
 
-<file path=ppt/slides/slide28.xml><?xml version="1.0" encoding="utf-8"?>
+<file path=ppt/slides/slide29.xml><?xml version="1.0" encoding="utf-8"?>
 <p:sld xmlns:a="http://schemas.openxmlformats.org/drawingml/2006/main" xmlns:r="http://schemas.openxmlformats.org/officeDocument/2006/relationships" xmlns:p="http://schemas.openxmlformats.org/presentationml/2006/main">
   <p:cSld>
     <p:spTree>
@@ -8630,8 +8900,8 @@
           <a:lstStyle/>
           <a:p>
             <a:r>
-              <a:rPr lang="ko-KR" altLang="en-US" dirty="0" smtClean="0"/>
-              <a:t>버전 관리</a:t>
+              <a:rPr lang="en-US" altLang="ko-KR" dirty="0" smtClean="0"/>
+              <a:t>page add</a:t>
             </a:r>
             <a:endParaRPr lang="ko-KR" altLang="en-US" dirty="0"/>
           </a:p>
@@ -8653,388 +8923,36 @@
           <a:lstStyle/>
           <a:p>
             <a:r>
-              <a:rPr lang="en-US" altLang="ko-KR" dirty="0" smtClean="0"/>
-              <a:t> VCS(</a:t>
-            </a:r>
-            <a:r>
-              <a:rPr lang="en-US" altLang="ko-KR" b="1" dirty="0" smtClean="0">
-                <a:solidFill>
-                  <a:schemeClr val="accent6"/>
-                </a:solidFill>
-                <a:effectLst>
-                  <a:outerShdw blurRad="38100" dist="38100" dir="2700000" algn="tl">
-                    <a:srgbClr val="000000">
-                      <a:alpha val="43137"/>
-                    </a:srgbClr>
-                  </a:outerShdw>
-                </a:effectLst>
-              </a:rPr>
-              <a:t>Version Control System</a:t>
-            </a:r>
-            <a:r>
-              <a:rPr lang="en-US" altLang="ko-KR" dirty="0" smtClean="0"/>
-              <a:t>)</a:t>
-            </a:r>
-          </a:p>
-          <a:p>
-            <a:pPr lvl="1"/>
-            <a:r>
-              <a:rPr lang="en-US" altLang="ko-KR" dirty="0"/>
-              <a:t> </a:t>
-            </a:r>
-            <a:r>
-              <a:rPr lang="ko-KR" altLang="en-US" dirty="0" smtClean="0">
-                <a:solidFill>
-                  <a:schemeClr val="accent6"/>
-                </a:solidFill>
-                <a:effectLst>
-                  <a:outerShdw blurRad="38100" dist="38100" dir="2700000" algn="tl">
-                    <a:srgbClr val="000000">
-                      <a:alpha val="43137"/>
-                    </a:srgbClr>
-                  </a:outerShdw>
-                </a:effectLst>
-              </a:rPr>
-              <a:t>파일 변화를 버전에 따라 관리할 수 있는 시스템</a:t>
-            </a:r>
-            <a:endParaRPr lang="en-US" altLang="ko-KR" dirty="0" smtClean="0">
-              <a:solidFill>
-                <a:schemeClr val="accent6"/>
-              </a:solidFill>
-              <a:effectLst>
-                <a:outerShdw blurRad="38100" dist="38100" dir="2700000" algn="tl">
-                  <a:srgbClr val="000000">
-                    <a:alpha val="43137"/>
-                  </a:srgbClr>
-                </a:outerShdw>
-              </a:effectLst>
-            </a:endParaRPr>
-          </a:p>
-          <a:p>
-            <a:pPr lvl="4"/>
+              <a:rPr lang="en-US" altLang="ko-KR" dirty="0" err="1" smtClean="0"/>
+              <a:t>asfdasfasfsda</a:t>
+            </a:r>
             <a:endParaRPr lang="en-US" altLang="ko-KR" dirty="0" smtClean="0"/>
           </a:p>
           <a:p>
-            <a:pPr lvl="1"/>
-            <a:r>
-              <a:rPr lang="en-US" altLang="ko-KR" dirty="0"/>
-              <a:t> </a:t>
-            </a:r>
-            <a:r>
-              <a:rPr lang="ko-KR" altLang="en-US" dirty="0" smtClean="0">
-                <a:solidFill>
-                  <a:schemeClr val="accent6"/>
-                </a:solidFill>
-                <a:effectLst>
-                  <a:outerShdw blurRad="38100" dist="38100" dir="2700000" algn="tl">
-                    <a:srgbClr val="000000">
-                      <a:alpha val="43137"/>
-                    </a:srgbClr>
-                  </a:outerShdw>
-                </a:effectLst>
-              </a:rPr>
-              <a:t>파일 역사</a:t>
-            </a:r>
-            <a:r>
-              <a:rPr lang="en-US" altLang="ko-KR" dirty="0" smtClean="0"/>
-              <a:t>(History)</a:t>
-            </a:r>
-            <a:r>
-              <a:rPr lang="ko-KR" altLang="en-US" dirty="0" smtClean="0"/>
-              <a:t>를</a:t>
-            </a:r>
-            <a:r>
-              <a:rPr lang="en-US" altLang="ko-KR" dirty="0" smtClean="0"/>
-              <a:t> </a:t>
-            </a:r>
-            <a:r>
-              <a:rPr lang="ko-KR" altLang="en-US" dirty="0" smtClean="0"/>
-              <a:t>관리할 수 있는 시스템을 통칭</a:t>
-            </a:r>
-            <a:endParaRPr lang="en-US" altLang="ko-KR" dirty="0" smtClean="0"/>
-          </a:p>
-          <a:p>
-            <a:pPr lvl="2"/>
-            <a:r>
-              <a:rPr lang="en-US" altLang="ko-KR" dirty="0"/>
-              <a:t> </a:t>
-            </a:r>
-            <a:r>
-              <a:rPr lang="ko-KR" altLang="en-US" dirty="0" smtClean="0"/>
-              <a:t>다양한 형태의 파일의 변화를 저장하고 관리 가능</a:t>
-            </a:r>
-            <a:endParaRPr lang="en-US" altLang="ko-KR" dirty="0" smtClean="0"/>
-          </a:p>
-          <a:p>
-            <a:pPr lvl="2"/>
-            <a:r>
-              <a:rPr lang="en-US" altLang="ko-KR" dirty="0"/>
-              <a:t> </a:t>
-            </a:r>
-            <a:r>
-              <a:rPr lang="ko-KR" altLang="en-US" dirty="0" smtClean="0"/>
-              <a:t>단위 파일 뿐만 아니라 프로젝트 전체를 관리할 수 있음</a:t>
-            </a:r>
-            <a:endParaRPr lang="en-US" altLang="ko-KR" dirty="0" smtClean="0"/>
-          </a:p>
-          <a:p>
-            <a:pPr lvl="4"/>
-            <a:endParaRPr lang="en-US" altLang="ko-KR" dirty="0" smtClean="0"/>
-          </a:p>
-          <a:p>
-            <a:pPr lvl="1"/>
-            <a:r>
-              <a:rPr lang="en-US" altLang="ko-KR" dirty="0"/>
-              <a:t> </a:t>
-            </a:r>
-            <a:r>
-              <a:rPr lang="ko-KR" altLang="en-US" dirty="0" smtClean="0"/>
-              <a:t>다양한 형태의 프로젝트 변화를 확인할 수 있음</a:t>
-            </a:r>
-            <a:endParaRPr lang="en-US" altLang="ko-KR" dirty="0" smtClean="0"/>
-          </a:p>
-          <a:p>
-            <a:pPr lvl="2"/>
-            <a:r>
-              <a:rPr lang="en-US" altLang="ko-KR" dirty="0"/>
-              <a:t> </a:t>
-            </a:r>
-            <a:r>
-              <a:rPr lang="ko-KR" altLang="en-US" dirty="0" smtClean="0">
-                <a:solidFill>
-                  <a:schemeClr val="accent6"/>
-                </a:solidFill>
-              </a:rPr>
-              <a:t>파일</a:t>
-            </a:r>
-            <a:r>
-              <a:rPr lang="ko-KR" altLang="en-US" dirty="0" smtClean="0"/>
-              <a:t>의 </a:t>
-            </a:r>
-            <a:r>
-              <a:rPr lang="ko-KR" altLang="en-US" dirty="0" smtClean="0">
-                <a:solidFill>
-                  <a:schemeClr val="accent6"/>
-                </a:solidFill>
-              </a:rPr>
-              <a:t>이전 상태 </a:t>
-            </a:r>
-            <a:r>
-              <a:rPr lang="ko-KR" altLang="en-US" dirty="0" smtClean="0"/>
-              <a:t>확인</a:t>
-            </a:r>
-            <a:endParaRPr lang="en-US" altLang="ko-KR" dirty="0" smtClean="0"/>
-          </a:p>
-          <a:p>
-            <a:pPr lvl="2"/>
-            <a:r>
-              <a:rPr lang="en-US" altLang="ko-KR" dirty="0"/>
-              <a:t> </a:t>
-            </a:r>
-            <a:r>
-              <a:rPr lang="ko-KR" altLang="en-US" dirty="0" smtClean="0">
-                <a:solidFill>
-                  <a:schemeClr val="accent6"/>
-                </a:solidFill>
-              </a:rPr>
-              <a:t>프로젝트</a:t>
-            </a:r>
-            <a:r>
-              <a:rPr lang="ko-KR" altLang="en-US" dirty="0" smtClean="0"/>
-              <a:t>의 이전 상태 확인</a:t>
-            </a:r>
-            <a:endParaRPr lang="en-US" altLang="ko-KR" dirty="0" smtClean="0"/>
-          </a:p>
-          <a:p>
-            <a:pPr lvl="2"/>
-            <a:r>
-              <a:rPr lang="en-US" altLang="ko-KR" dirty="0"/>
-              <a:t> </a:t>
-            </a:r>
-            <a:r>
-              <a:rPr lang="ko-KR" altLang="en-US" dirty="0" smtClean="0">
-                <a:solidFill>
-                  <a:schemeClr val="accent6"/>
-                </a:solidFill>
-              </a:rPr>
-              <a:t>수정 내용 비교</a:t>
-            </a:r>
-            <a:endParaRPr lang="en-US" altLang="ko-KR" dirty="0" smtClean="0">
-              <a:solidFill>
-                <a:schemeClr val="accent6"/>
-              </a:solidFill>
-            </a:endParaRPr>
-          </a:p>
-          <a:p>
-            <a:pPr lvl="2"/>
-            <a:r>
-              <a:rPr lang="en-US" altLang="ko-KR" dirty="0"/>
-              <a:t> </a:t>
-            </a:r>
-            <a:r>
-              <a:rPr lang="ko-KR" altLang="en-US" dirty="0" smtClean="0"/>
-              <a:t>문제를 발생시킨 </a:t>
-            </a:r>
-            <a:r>
-              <a:rPr lang="ko-KR" altLang="en-US" dirty="0" smtClean="0">
-                <a:solidFill>
-                  <a:schemeClr val="accent6"/>
-                </a:solidFill>
-              </a:rPr>
-              <a:t>사용자</a:t>
-            </a:r>
-            <a:r>
-              <a:rPr lang="ko-KR" altLang="en-US" dirty="0" smtClean="0"/>
-              <a:t>에 대한 </a:t>
-            </a:r>
-            <a:r>
-              <a:rPr lang="ko-KR" altLang="en-US" dirty="0" smtClean="0">
-                <a:solidFill>
-                  <a:schemeClr val="accent6"/>
-                </a:solidFill>
-              </a:rPr>
-              <a:t>정보 확인</a:t>
-            </a:r>
-            <a:endParaRPr lang="en-US" altLang="ko-KR" dirty="0" smtClean="0">
-              <a:solidFill>
-                <a:schemeClr val="accent6"/>
-              </a:solidFill>
-            </a:endParaRPr>
-          </a:p>
-          <a:p>
-            <a:pPr lvl="2"/>
-            <a:r>
-              <a:rPr lang="en-US" altLang="ko-KR" dirty="0"/>
-              <a:t> </a:t>
-            </a:r>
-            <a:r>
-              <a:rPr lang="ko-KR" altLang="en-US" dirty="0" smtClean="0"/>
-              <a:t>파일의 생성과 변화 전체를 확인 가능</a:t>
-            </a:r>
-            <a:endParaRPr lang="en-US" altLang="ko-KR" dirty="0" smtClean="0"/>
-          </a:p>
-          <a:p>
-            <a:pPr lvl="2"/>
-            <a:r>
-              <a:rPr lang="en-US" altLang="ko-KR" dirty="0"/>
-              <a:t> </a:t>
-            </a:r>
-            <a:r>
-              <a:rPr lang="ko-KR" altLang="en-US" dirty="0" smtClean="0"/>
-              <a:t>이슈 발생 시점과 관련 정보 확인 가능</a:t>
-            </a:r>
-            <a:endParaRPr lang="en-US" altLang="ko-KR" dirty="0" smtClean="0"/>
-          </a:p>
-          <a:p>
-            <a:pPr lvl="4"/>
-            <a:endParaRPr lang="en-US" altLang="ko-KR" dirty="0" smtClean="0"/>
-          </a:p>
-          <a:p>
-            <a:pPr lvl="1"/>
-            <a:r>
-              <a:rPr lang="en-US" altLang="ko-KR" dirty="0"/>
-              <a:t> </a:t>
-            </a:r>
-            <a:r>
-              <a:rPr lang="ko-KR" altLang="en-US" dirty="0" smtClean="0"/>
-              <a:t>파일 정보를 </a:t>
-            </a:r>
-            <a:r>
-              <a:rPr lang="ko-KR" altLang="en-US" b="1" dirty="0" smtClean="0">
-                <a:solidFill>
-                  <a:schemeClr val="accent6"/>
-                </a:solidFill>
-                <a:effectLst>
-                  <a:outerShdw blurRad="38100" dist="38100" dir="2700000" algn="tl">
-                    <a:srgbClr val="000000">
-                      <a:alpha val="43137"/>
-                    </a:srgbClr>
-                  </a:outerShdw>
-                </a:effectLst>
-              </a:rPr>
-              <a:t>로컬 데이터베이스</a:t>
-            </a:r>
-            <a:r>
-              <a:rPr lang="ko-KR" altLang="en-US" dirty="0" smtClean="0"/>
-              <a:t>에 기록하는 형태</a:t>
-            </a:r>
-            <a:endParaRPr lang="en-US" altLang="ko-KR" dirty="0" smtClean="0"/>
-          </a:p>
-          <a:p>
-            <a:pPr lvl="2"/>
-            <a:r>
-              <a:rPr lang="en-US" altLang="ko-KR" dirty="0"/>
-              <a:t> </a:t>
-            </a:r>
-            <a:r>
-              <a:rPr lang="ko-KR" altLang="en-US" dirty="0" smtClean="0"/>
-              <a:t>파일 변경 정보를 관리할 수 있도록 인터페이스를 제공</a:t>
-            </a:r>
-            <a:endParaRPr lang="en-US" altLang="ko-KR" dirty="0" smtClean="0"/>
-          </a:p>
-          <a:p>
-            <a:pPr lvl="2"/>
-            <a:r>
-              <a:rPr lang="en-US" altLang="ko-KR" dirty="0"/>
-              <a:t> </a:t>
-            </a:r>
-            <a:r>
-              <a:rPr lang="ko-KR" altLang="en-US" dirty="0" smtClean="0"/>
-              <a:t>파일 변경에 대한 정보를 </a:t>
-            </a:r>
-            <a:r>
-              <a:rPr lang="ko-KR" altLang="en-US" b="1" dirty="0" smtClean="0">
-                <a:solidFill>
-                  <a:schemeClr val="accent6"/>
-                </a:solidFill>
-              </a:rPr>
-              <a:t>패치</a:t>
-            </a:r>
-            <a:r>
-              <a:rPr lang="en-US" altLang="ko-KR" dirty="0" smtClean="0"/>
-              <a:t>(Patch) </a:t>
-            </a:r>
-            <a:r>
-              <a:rPr lang="ko-KR" altLang="en-US" dirty="0" smtClean="0"/>
-              <a:t>형태로 관리</a:t>
-            </a:r>
-            <a:endParaRPr lang="en-US" altLang="ko-KR" dirty="0" smtClean="0"/>
-          </a:p>
-          <a:p>
-            <a:pPr lvl="2"/>
-            <a:r>
-              <a:rPr lang="en-US" altLang="ko-KR" dirty="0"/>
-              <a:t> </a:t>
-            </a:r>
-            <a:r>
-              <a:rPr lang="ko-KR" altLang="en-US" dirty="0" smtClean="0"/>
-              <a:t>패치 적용으로 특정 시점으로 파일을 되돌릴 수 있도록 관리 인터페이스 제공</a:t>
-            </a:r>
             <a:endParaRPr lang="en-US" altLang="ko-KR" dirty="0"/>
           </a:p>
           <a:p>
-            <a:pPr lvl="1"/>
-            <a:endParaRPr lang="ko-KR" altLang="en-US" dirty="0"/>
+            <a:endParaRPr lang="en-US" altLang="ko-KR" smtClean="0"/>
+          </a:p>
+          <a:p>
+            <a:r>
+              <a:rPr lang="en-US" altLang="ko-KR" smtClean="0"/>
+              <a:t>sdfsdffsd</a:t>
+            </a:r>
+            <a:endParaRPr lang="ko-KR" altLang="en-US"/>
           </a:p>
         </p:txBody>
       </p:sp>
     </p:spTree>
     <p:extLst>
       <p:ext uri="{BB962C8B-B14F-4D97-AF65-F5344CB8AC3E}">
-        <p14:creationId xmlns:p14="http://schemas.microsoft.com/office/powerpoint/2010/main" val="3596208673"/>
+        <p14:creationId xmlns:p14="http://schemas.microsoft.com/office/powerpoint/2010/main" val="1722357412"/>
       </p:ext>
     </p:extLst>
   </p:cSld>
   <p:clrMapOvr>
     <a:masterClrMapping/>
   </p:clrMapOvr>
-  <p:timing>
-    <p:tnLst>
-      <p:par>
-        <p:cTn id="1" dur="indefinite" restart="never" nodeType="tmRoot"/>
-      </p:par>
-    </p:tnLst>
-  </p:timing>
 </p:sld>
 </file>
 
@@ -9072,7 +8990,7 @@
           <a:p>
             <a:r>
               <a:rPr lang="ko-KR" altLang="en-US" dirty="0" smtClean="0"/>
-              <a:t>중앙집중식 버전 관리</a:t>
+              <a:t>버전 관리</a:t>
             </a:r>
             <a:endParaRPr lang="ko-KR" altLang="en-US" dirty="0"/>
           </a:p>
@@ -9095,7 +9013,7 @@
           <a:p>
             <a:r>
               <a:rPr lang="en-US" altLang="ko-KR" dirty="0" smtClean="0"/>
-              <a:t> CVCS(</a:t>
+              <a:t> VCS(</a:t>
             </a:r>
             <a:r>
               <a:rPr lang="en-US" altLang="ko-KR" b="1" dirty="0" smtClean="0">
@@ -9110,7 +9028,7 @@
                   </a:outerShdw>
                 </a:effectLst>
               </a:rPr>
-              <a:t>Central VCS</a:t>
+              <a:t>Version Control System</a:t>
             </a:r>
             <a:r>
               <a:rPr lang="en-US" altLang="ko-KR" dirty="0" smtClean="0"/>
@@ -9124,16 +9042,181 @@
               <a:t> </a:t>
             </a:r>
             <a:r>
-              <a:rPr lang="ko-KR" altLang="en-US" dirty="0" smtClean="0"/>
-              <a:t>서버를 이용하여 버전 관리를 </a:t>
-            </a:r>
-            <a:r>
               <a:rPr lang="ko-KR" altLang="en-US" dirty="0" smtClean="0">
                 <a:solidFill>
                   <a:schemeClr val="accent6"/>
                 </a:solidFill>
-              </a:rPr>
-              <a:t>중앙에서 관리하는 시스템</a:t>
+                <a:effectLst>
+                  <a:outerShdw blurRad="38100" dist="38100" dir="2700000" algn="tl">
+                    <a:srgbClr val="000000">
+                      <a:alpha val="43137"/>
+                    </a:srgbClr>
+                  </a:outerShdw>
+                </a:effectLst>
+              </a:rPr>
+              <a:t>파일 변화를 버전에 따라 관리할 수 있는 시스템</a:t>
+            </a:r>
+            <a:endParaRPr lang="en-US" altLang="ko-KR" dirty="0" smtClean="0">
+              <a:solidFill>
+                <a:schemeClr val="accent6"/>
+              </a:solidFill>
+              <a:effectLst>
+                <a:outerShdw blurRad="38100" dist="38100" dir="2700000" algn="tl">
+                  <a:srgbClr val="000000">
+                    <a:alpha val="43137"/>
+                  </a:srgbClr>
+                </a:outerShdw>
+              </a:effectLst>
+            </a:endParaRPr>
+          </a:p>
+          <a:p>
+            <a:pPr lvl="4"/>
+            <a:endParaRPr lang="en-US" altLang="ko-KR" dirty="0" smtClean="0"/>
+          </a:p>
+          <a:p>
+            <a:pPr lvl="1"/>
+            <a:r>
+              <a:rPr lang="en-US" altLang="ko-KR" dirty="0"/>
+              <a:t> </a:t>
+            </a:r>
+            <a:r>
+              <a:rPr lang="ko-KR" altLang="en-US" dirty="0" smtClean="0">
+                <a:solidFill>
+                  <a:schemeClr val="accent6"/>
+                </a:solidFill>
+                <a:effectLst>
+                  <a:outerShdw blurRad="38100" dist="38100" dir="2700000" algn="tl">
+                    <a:srgbClr val="000000">
+                      <a:alpha val="43137"/>
+                    </a:srgbClr>
+                  </a:outerShdw>
+                </a:effectLst>
+              </a:rPr>
+              <a:t>파일 역사</a:t>
+            </a:r>
+            <a:r>
+              <a:rPr lang="en-US" altLang="ko-KR" dirty="0" smtClean="0"/>
+              <a:t>(History)</a:t>
+            </a:r>
+            <a:r>
+              <a:rPr lang="ko-KR" altLang="en-US" dirty="0" smtClean="0"/>
+              <a:t>를</a:t>
+            </a:r>
+            <a:r>
+              <a:rPr lang="en-US" altLang="ko-KR" dirty="0" smtClean="0"/>
+              <a:t> </a:t>
+            </a:r>
+            <a:r>
+              <a:rPr lang="ko-KR" altLang="en-US" dirty="0" smtClean="0"/>
+              <a:t>관리할 수 있는 시스템을 통칭</a:t>
+            </a:r>
+            <a:endParaRPr lang="en-US" altLang="ko-KR" dirty="0" smtClean="0"/>
+          </a:p>
+          <a:p>
+            <a:pPr lvl="2"/>
+            <a:r>
+              <a:rPr lang="en-US" altLang="ko-KR" dirty="0"/>
+              <a:t> </a:t>
+            </a:r>
+            <a:r>
+              <a:rPr lang="ko-KR" altLang="en-US" dirty="0" smtClean="0"/>
+              <a:t>다양한 형태의 파일의 변화를 저장하고 관리 가능</a:t>
+            </a:r>
+            <a:endParaRPr lang="en-US" altLang="ko-KR" dirty="0" smtClean="0"/>
+          </a:p>
+          <a:p>
+            <a:pPr lvl="2"/>
+            <a:r>
+              <a:rPr lang="en-US" altLang="ko-KR" dirty="0"/>
+              <a:t> </a:t>
+            </a:r>
+            <a:r>
+              <a:rPr lang="ko-KR" altLang="en-US" dirty="0" smtClean="0"/>
+              <a:t>단위 파일 뿐만 아니라 프로젝트 전체를 관리할 수 있음</a:t>
+            </a:r>
+            <a:endParaRPr lang="en-US" altLang="ko-KR" dirty="0" smtClean="0"/>
+          </a:p>
+          <a:p>
+            <a:pPr lvl="4"/>
+            <a:endParaRPr lang="en-US" altLang="ko-KR" dirty="0" smtClean="0"/>
+          </a:p>
+          <a:p>
+            <a:pPr lvl="1"/>
+            <a:r>
+              <a:rPr lang="en-US" altLang="ko-KR" dirty="0"/>
+              <a:t> </a:t>
+            </a:r>
+            <a:r>
+              <a:rPr lang="ko-KR" altLang="en-US" dirty="0" smtClean="0"/>
+              <a:t>다양한 형태의 프로젝트 변화를 확인할 수 있음</a:t>
+            </a:r>
+            <a:endParaRPr lang="en-US" altLang="ko-KR" dirty="0" smtClean="0"/>
+          </a:p>
+          <a:p>
+            <a:pPr lvl="2"/>
+            <a:r>
+              <a:rPr lang="en-US" altLang="ko-KR" dirty="0"/>
+              <a:t> </a:t>
+            </a:r>
+            <a:r>
+              <a:rPr lang="ko-KR" altLang="en-US" dirty="0" smtClean="0">
+                <a:solidFill>
+                  <a:schemeClr val="accent6"/>
+                </a:solidFill>
+              </a:rPr>
+              <a:t>파일</a:t>
+            </a:r>
+            <a:r>
+              <a:rPr lang="ko-KR" altLang="en-US" dirty="0" smtClean="0"/>
+              <a:t>의 </a:t>
+            </a:r>
+            <a:r>
+              <a:rPr lang="ko-KR" altLang="en-US" dirty="0" smtClean="0">
+                <a:solidFill>
+                  <a:schemeClr val="accent6"/>
+                </a:solidFill>
+              </a:rPr>
+              <a:t>이전 상태 </a:t>
+            </a:r>
+            <a:r>
+              <a:rPr lang="ko-KR" altLang="en-US" dirty="0" smtClean="0"/>
+              <a:t>확인</a:t>
+            </a:r>
+            <a:endParaRPr lang="en-US" altLang="ko-KR" dirty="0" smtClean="0"/>
+          </a:p>
+          <a:p>
+            <a:pPr lvl="2"/>
+            <a:r>
+              <a:rPr lang="en-US" altLang="ko-KR" dirty="0"/>
+              <a:t> </a:t>
+            </a:r>
+            <a:r>
+              <a:rPr lang="ko-KR" altLang="en-US" dirty="0" smtClean="0">
+                <a:solidFill>
+                  <a:schemeClr val="accent6"/>
+                </a:solidFill>
+              </a:rPr>
+              <a:t>프로젝트</a:t>
+            </a:r>
+            <a:r>
+              <a:rPr lang="ko-KR" altLang="en-US" dirty="0" smtClean="0"/>
+              <a:t>의 이전 상태 확인</a:t>
+            </a:r>
+            <a:endParaRPr lang="en-US" altLang="ko-KR" dirty="0" smtClean="0"/>
+          </a:p>
+          <a:p>
+            <a:pPr lvl="2"/>
+            <a:r>
+              <a:rPr lang="en-US" altLang="ko-KR" dirty="0"/>
+              <a:t> </a:t>
+            </a:r>
+            <a:r>
+              <a:rPr lang="ko-KR" altLang="en-US" dirty="0" smtClean="0">
+                <a:solidFill>
+                  <a:schemeClr val="accent6"/>
+                </a:solidFill>
+              </a:rPr>
+              <a:t>수정 내용 비교</a:t>
             </a:r>
             <a:endParaRPr lang="en-US" altLang="ko-KR" dirty="0" smtClean="0">
               <a:solidFill>
@@ -9142,58 +9225,14 @@
             </a:endParaRPr>
           </a:p>
           <a:p>
-            <a:pPr lvl="1"/>
-            <a:r>
-              <a:rPr lang="en-US" altLang="ko-KR" dirty="0"/>
-              <a:t> </a:t>
-            </a:r>
-            <a:r>
-              <a:rPr lang="en-US" altLang="ko-KR" dirty="0" smtClean="0"/>
-              <a:t>CVS, Subversion, Perforce</a:t>
-            </a:r>
-            <a:r>
-              <a:rPr lang="ko-KR" altLang="en-US" dirty="0" smtClean="0"/>
-              <a:t>와 같은 시스템</a:t>
-            </a:r>
-            <a:endParaRPr lang="en-US" altLang="ko-KR" dirty="0" smtClean="0"/>
-          </a:p>
-          <a:p>
-            <a:pPr lvl="1"/>
-            <a:r>
-              <a:rPr lang="en-US" altLang="ko-KR" dirty="0"/>
-              <a:t> </a:t>
-            </a:r>
-            <a:r>
-              <a:rPr lang="ko-KR" altLang="en-US" dirty="0" smtClean="0"/>
-              <a:t>파일에 대한 모든 정보를 서버에서 관리</a:t>
-            </a:r>
-            <a:endParaRPr lang="en-US" altLang="ko-KR" dirty="0" smtClean="0"/>
-          </a:p>
-          <a:p>
-            <a:pPr lvl="1"/>
-            <a:r>
-              <a:rPr lang="en-US" altLang="ko-KR" dirty="0"/>
-              <a:t> </a:t>
-            </a:r>
-            <a:r>
-              <a:rPr lang="ko-KR" altLang="en-US" dirty="0" smtClean="0"/>
-              <a:t>클라이언트</a:t>
-            </a:r>
-            <a:r>
-              <a:rPr lang="en-US" altLang="ko-KR" dirty="0" smtClean="0"/>
-              <a:t>(</a:t>
-            </a:r>
-            <a:r>
-              <a:rPr lang="ko-KR" altLang="en-US" dirty="0" smtClean="0"/>
-              <a:t>개발자</a:t>
-            </a:r>
-            <a:r>
-              <a:rPr lang="en-US" altLang="ko-KR" dirty="0" smtClean="0"/>
-              <a:t>)</a:t>
-            </a:r>
-            <a:r>
-              <a:rPr lang="ko-KR" altLang="en-US" dirty="0" smtClean="0"/>
-              <a:t>는 </a:t>
+            <a:pPr lvl="2"/>
+            <a:r>
+              <a:rPr lang="en-US" altLang="ko-KR" dirty="0"/>
+              <a:t> </a:t>
+            </a:r>
+            <a:r>
+              <a:rPr lang="ko-KR" altLang="en-US" dirty="0" smtClean="0"/>
+              <a:t>문제를 발생시킨 </a:t>
             </a:r>
             <a:r>
               <a:rPr lang="ko-KR" altLang="en-US" dirty="0" smtClean="0">
@@ -9201,7 +9240,19 @@
                   <a:schemeClr val="accent6"/>
                 </a:solidFill>
               </a:rPr>
-              <a:t>변경 정보를 서버에서 받아서 적용</a:t>
+              <a:t>사용자</a:t>
+            </a:r>
+            <a:r>
+              <a:rPr lang="ko-KR" altLang="en-US" dirty="0" smtClean="0"/>
+              <a:t>에 대한 </a:t>
+            </a:r>
+            <a:r>
+              <a:rPr lang="ko-KR" altLang="en-US" dirty="0" smtClean="0">
+                <a:solidFill>
+                  <a:schemeClr val="accent6"/>
+                </a:solidFill>
+              </a:rPr>
+              <a:t>정보 확인</a:t>
             </a:r>
             <a:endParaRPr lang="en-US" altLang="ko-KR" dirty="0" smtClean="0">
               <a:solidFill>
@@ -9210,6 +9261,34 @@
             </a:endParaRPr>
           </a:p>
           <a:p>
+            <a:pPr lvl="2"/>
+            <a:r>
+              <a:rPr lang="en-US" altLang="ko-KR" dirty="0"/>
+              <a:t> </a:t>
+            </a:r>
+            <a:r>
+              <a:rPr lang="ko-KR" altLang="en-US" dirty="0" smtClean="0"/>
+              <a:t>파일의 생성과 변화 전체를 확인 가능</a:t>
+            </a:r>
+            <a:endParaRPr lang="en-US" altLang="ko-KR" dirty="0" smtClean="0"/>
+          </a:p>
+          <a:p>
+            <a:pPr lvl="2"/>
+            <a:r>
+              <a:rPr lang="en-US" altLang="ko-KR" dirty="0"/>
+              <a:t> </a:t>
+            </a:r>
+            <a:r>
+              <a:rPr lang="ko-KR" altLang="en-US" dirty="0" smtClean="0"/>
+              <a:t>이슈 발생 시점과 관련 정보 확인 가능</a:t>
+            </a:r>
+            <a:endParaRPr lang="en-US" altLang="ko-KR" dirty="0" smtClean="0"/>
+          </a:p>
+          <a:p>
+            <a:pPr lvl="4"/>
+            <a:endParaRPr lang="en-US" altLang="ko-KR" dirty="0" smtClean="0"/>
+          </a:p>
+          <a:p>
             <a:pPr lvl="1"/>
             <a:r>
               <a:rPr lang="en-US" altLang="ko-KR" dirty="0"/>
@@ -9217,156 +9296,83 @@
             </a:r>
             <a:r>
               <a:rPr lang="ko-KR" altLang="en-US" dirty="0" smtClean="0"/>
-              <a:t>관리자에 의한 </a:t>
+              <a:t>파일 정보를 </a:t>
             </a:r>
             <a:r>
               <a:rPr lang="ko-KR" altLang="en-US" b="1" dirty="0" smtClean="0">
                 <a:solidFill>
                   <a:schemeClr val="accent6"/>
                 </a:solidFill>
-              </a:rPr>
-              <a:t>중앙 </a:t>
-            </a:r>
-            <a:r>
-              <a:rPr lang="ko-KR" altLang="en-US" b="1" dirty="0" err="1" smtClean="0">
+                <a:effectLst>
+                  <a:outerShdw blurRad="38100" dist="38100" dir="2700000" algn="tl">
+                    <a:srgbClr val="000000">
+                      <a:alpha val="43137"/>
+                    </a:srgbClr>
+                  </a:outerShdw>
+                </a:effectLst>
+              </a:rPr>
+              <a:t>로컬 데이터베이스</a:t>
+            </a:r>
+            <a:r>
+              <a:rPr lang="ko-KR" altLang="en-US" dirty="0" smtClean="0"/>
+              <a:t>에 기록하는 형태</a:t>
+            </a:r>
+            <a:endParaRPr lang="en-US" altLang="ko-KR" dirty="0" smtClean="0"/>
+          </a:p>
+          <a:p>
+            <a:pPr lvl="2"/>
+            <a:r>
+              <a:rPr lang="en-US" altLang="ko-KR" dirty="0"/>
+              <a:t> </a:t>
+            </a:r>
+            <a:r>
+              <a:rPr lang="ko-KR" altLang="en-US" dirty="0" smtClean="0"/>
+              <a:t>파일 변경 정보를 관리할 수 있도록 인터페이스를 제공</a:t>
+            </a:r>
+            <a:endParaRPr lang="en-US" altLang="ko-KR" dirty="0" smtClean="0"/>
+          </a:p>
+          <a:p>
+            <a:pPr lvl="2"/>
+            <a:r>
+              <a:rPr lang="en-US" altLang="ko-KR" dirty="0"/>
+              <a:t> </a:t>
+            </a:r>
+            <a:r>
+              <a:rPr lang="ko-KR" altLang="en-US" dirty="0" smtClean="0"/>
+              <a:t>파일 변경에 대한 정보를 </a:t>
+            </a:r>
+            <a:r>
+              <a:rPr lang="ko-KR" altLang="en-US" b="1" dirty="0" smtClean="0">
                 <a:solidFill>
                   <a:schemeClr val="accent6"/>
                 </a:solidFill>
               </a:rPr>
-              <a:t>집중식</a:t>
-            </a:r>
-            <a:r>
-              <a:rPr lang="ko-KR" altLang="en-US" b="1" dirty="0" smtClean="0">
-                <a:solidFill>
-                  <a:schemeClr val="accent6"/>
-                </a:solidFill>
-              </a:rPr>
-              <a:t> 관리</a:t>
-            </a:r>
-            <a:r>
-              <a:rPr lang="ko-KR" altLang="en-US" dirty="0" smtClean="0"/>
-              <a:t>가 가능</a:t>
+              <a:t>패치</a:t>
+            </a:r>
+            <a:r>
+              <a:rPr lang="en-US" altLang="ko-KR" dirty="0" smtClean="0"/>
+              <a:t>(Patch) </a:t>
+            </a:r>
+            <a:r>
+              <a:rPr lang="ko-KR" altLang="en-US" dirty="0" smtClean="0"/>
+              <a:t>형태로 관리</a:t>
             </a:r>
             <a:endParaRPr lang="en-US" altLang="ko-KR" dirty="0" smtClean="0"/>
           </a:p>
           <a:p>
+            <a:pPr lvl="2"/>
+            <a:r>
+              <a:rPr lang="en-US" altLang="ko-KR" dirty="0"/>
+              <a:t> </a:t>
+            </a:r>
+            <a:r>
+              <a:rPr lang="ko-KR" altLang="en-US" dirty="0" smtClean="0"/>
+              <a:t>패치 적용으로 특정 시점으로 파일을 되돌릴 수 있도록 관리 인터페이스 제공</a:t>
+            </a:r>
+            <a:endParaRPr lang="en-US" altLang="ko-KR" dirty="0"/>
+          </a:p>
+          <a:p>
             <a:pPr lvl="1"/>
-            <a:r>
-              <a:rPr lang="en-US" altLang="ko-KR" dirty="0"/>
-              <a:t> </a:t>
-            </a:r>
-            <a:r>
-              <a:rPr lang="ko-KR" altLang="en-US" dirty="0" smtClean="0"/>
-              <a:t>모든 클라이언트가 관리된 동일한 파일을 전달 받을 수 있음</a:t>
-            </a:r>
-            <a:endParaRPr lang="en-US" altLang="ko-KR" dirty="0" smtClean="0"/>
-          </a:p>
-          <a:p>
-            <a:pPr lvl="1"/>
-            <a:endParaRPr lang="en-US" altLang="ko-KR" dirty="0"/>
-          </a:p>
-          <a:p>
-            <a:pPr lvl="1"/>
-            <a:r>
-              <a:rPr lang="ko-KR" altLang="en-US" dirty="0" smtClean="0"/>
-              <a:t>문제점</a:t>
-            </a:r>
-            <a:endParaRPr lang="en-US" altLang="ko-KR" dirty="0" smtClean="0"/>
-          </a:p>
-          <a:p>
-            <a:pPr lvl="2"/>
-            <a:r>
-              <a:rPr lang="en-US" altLang="ko-KR" dirty="0"/>
-              <a:t> </a:t>
-            </a:r>
-            <a:r>
-              <a:rPr lang="ko-KR" altLang="en-US" dirty="0" smtClean="0">
-                <a:solidFill>
-                  <a:schemeClr val="accent6"/>
-                </a:solidFill>
-              </a:rPr>
-              <a:t>서버에 문제가 발생할 경우</a:t>
-            </a:r>
-            <a:r>
-              <a:rPr lang="en-US" altLang="ko-KR" dirty="0" smtClean="0"/>
-              <a:t>, </a:t>
-            </a:r>
-            <a:r>
-              <a:rPr lang="ko-KR" altLang="en-US" dirty="0" smtClean="0"/>
-              <a:t>해결할 수 있는 방법이 존재하지 않음</a:t>
-            </a:r>
-            <a:endParaRPr lang="en-US" altLang="ko-KR" dirty="0" smtClean="0"/>
-          </a:p>
-          <a:p>
-            <a:pPr lvl="2"/>
-            <a:r>
-              <a:rPr lang="en-US" altLang="ko-KR" dirty="0"/>
-              <a:t> </a:t>
-            </a:r>
-            <a:r>
-              <a:rPr lang="ko-KR" altLang="en-US" dirty="0" smtClean="0"/>
-              <a:t>개발 시스템 전체가 정지되므로 </a:t>
-            </a:r>
-            <a:r>
-              <a:rPr lang="ko-KR" altLang="en-US" dirty="0" smtClean="0">
-                <a:solidFill>
-                  <a:schemeClr val="accent6"/>
-                </a:solidFill>
-              </a:rPr>
-              <a:t>개발 업무 자체가 중단되는 사태</a:t>
-            </a:r>
-            <a:r>
-              <a:rPr lang="ko-KR" altLang="en-US" dirty="0" smtClean="0"/>
-              <a:t>가 발생</a:t>
-            </a:r>
-            <a:endParaRPr lang="en-US" altLang="ko-KR" dirty="0" smtClean="0"/>
-          </a:p>
-          <a:p>
-            <a:pPr lvl="2"/>
-            <a:r>
-              <a:rPr lang="en-US" altLang="ko-KR" dirty="0"/>
-              <a:t> </a:t>
-            </a:r>
-            <a:r>
-              <a:rPr lang="ko-KR" altLang="en-US" dirty="0" smtClean="0"/>
-              <a:t>서버 디스크에 문제가 발생한 경우</a:t>
-            </a:r>
-            <a:r>
-              <a:rPr lang="en-US" altLang="ko-KR" dirty="0" smtClean="0"/>
-              <a:t>, </a:t>
-            </a:r>
-            <a:r>
-              <a:rPr lang="ko-KR" altLang="en-US" dirty="0" smtClean="0">
-                <a:solidFill>
-                  <a:schemeClr val="accent6"/>
-                </a:solidFill>
-              </a:rPr>
-              <a:t>파일에 대한 전체 </a:t>
-            </a:r>
-            <a:r>
-              <a:rPr lang="en-US" altLang="ko-KR" dirty="0" smtClean="0">
-                <a:solidFill>
-                  <a:schemeClr val="accent6"/>
-                </a:solidFill>
-              </a:rPr>
-              <a:t>History </a:t>
-            </a:r>
-            <a:r>
-              <a:rPr lang="ko-KR" altLang="en-US" dirty="0" smtClean="0">
-                <a:solidFill>
-                  <a:schemeClr val="accent6"/>
-                </a:solidFill>
-              </a:rPr>
-              <a:t>정보를 잃을 수 있음</a:t>
-            </a:r>
-            <a:endParaRPr lang="en-US" altLang="ko-KR" dirty="0" smtClean="0">
-              <a:solidFill>
-                <a:schemeClr val="accent6"/>
-              </a:solidFill>
-            </a:endParaRPr>
-          </a:p>
-          <a:p>
-            <a:pPr lvl="2"/>
             <a:endParaRPr lang="ko-KR" altLang="en-US" dirty="0"/>
           </a:p>
         </p:txBody>
@@ -9374,7 +9380,7 @@
     </p:spTree>
     <p:extLst>
       <p:ext uri="{BB962C8B-B14F-4D97-AF65-F5344CB8AC3E}">
-        <p14:creationId xmlns:p14="http://schemas.microsoft.com/office/powerpoint/2010/main" val="4282539720"/>
+        <p14:creationId xmlns:p14="http://schemas.microsoft.com/office/powerpoint/2010/main" val="3596208673"/>
       </p:ext>
     </p:extLst>
   </p:cSld>
@@ -9425,6 +9431,359 @@
           <a:p>
             <a:r>
               <a:rPr lang="ko-KR" altLang="en-US" dirty="0" smtClean="0"/>
+              <a:t>중앙집중식 버전 관리</a:t>
+            </a:r>
+            <a:endParaRPr lang="ko-KR" altLang="en-US" dirty="0"/>
+          </a:p>
+        </p:txBody>
+      </p:sp>
+      <p:sp>
+        <p:nvSpPr>
+          <p:cNvPr id="3" name="내용 개체 틀 2"/>
+          <p:cNvSpPr>
+            <a:spLocks noGrp="1"/>
+          </p:cNvSpPr>
+          <p:nvPr>
+            <p:ph idx="1"/>
+          </p:nvPr>
+        </p:nvSpPr>
+        <p:spPr/>
+        <p:txBody>
+          <a:bodyPr/>
+          <a:lstStyle/>
+          <a:p>
+            <a:r>
+              <a:rPr lang="en-US" altLang="ko-KR" dirty="0" smtClean="0"/>
+              <a:t> CVCS(</a:t>
+            </a:r>
+            <a:r>
+              <a:rPr lang="en-US" altLang="ko-KR" b="1" dirty="0" smtClean="0">
+                <a:solidFill>
+                  <a:schemeClr val="accent6"/>
+                </a:solidFill>
+                <a:effectLst>
+                  <a:outerShdw blurRad="38100" dist="38100" dir="2700000" algn="tl">
+                    <a:srgbClr val="000000">
+                      <a:alpha val="43137"/>
+                    </a:srgbClr>
+                  </a:outerShdw>
+                </a:effectLst>
+              </a:rPr>
+              <a:t>Central VCS</a:t>
+            </a:r>
+            <a:r>
+              <a:rPr lang="en-US" altLang="ko-KR" dirty="0" smtClean="0"/>
+              <a:t>)</a:t>
+            </a:r>
+          </a:p>
+          <a:p>
+            <a:pPr lvl="1"/>
+            <a:r>
+              <a:rPr lang="en-US" altLang="ko-KR" dirty="0"/>
+              <a:t> </a:t>
+            </a:r>
+            <a:r>
+              <a:rPr lang="ko-KR" altLang="en-US" dirty="0" smtClean="0"/>
+              <a:t>서버를 이용하여 버전 관리를 </a:t>
+            </a:r>
+            <a:r>
+              <a:rPr lang="ko-KR" altLang="en-US" dirty="0" smtClean="0">
+                <a:solidFill>
+                  <a:schemeClr val="accent6"/>
+                </a:solidFill>
+              </a:rPr>
+              <a:t>중앙에서 관리하는 시스템</a:t>
+            </a:r>
+            <a:endParaRPr lang="en-US" altLang="ko-KR" dirty="0" smtClean="0">
+              <a:solidFill>
+                <a:schemeClr val="accent6"/>
+              </a:solidFill>
+            </a:endParaRPr>
+          </a:p>
+          <a:p>
+            <a:pPr lvl="1"/>
+            <a:r>
+              <a:rPr lang="en-US" altLang="ko-KR" dirty="0"/>
+              <a:t> </a:t>
+            </a:r>
+            <a:r>
+              <a:rPr lang="en-US" altLang="ko-KR" dirty="0" smtClean="0"/>
+              <a:t>CVS, Subversion, Perforce</a:t>
+            </a:r>
+            <a:r>
+              <a:rPr lang="ko-KR" altLang="en-US" dirty="0" smtClean="0"/>
+              <a:t>와 같은 시스템</a:t>
+            </a:r>
+            <a:endParaRPr lang="en-US" altLang="ko-KR" dirty="0" smtClean="0"/>
+          </a:p>
+          <a:p>
+            <a:pPr lvl="1"/>
+            <a:r>
+              <a:rPr lang="en-US" altLang="ko-KR" dirty="0"/>
+              <a:t> </a:t>
+            </a:r>
+            <a:r>
+              <a:rPr lang="ko-KR" altLang="en-US" dirty="0" smtClean="0"/>
+              <a:t>파일에 대한 모든 정보를 서버에서 관리</a:t>
+            </a:r>
+            <a:endParaRPr lang="en-US" altLang="ko-KR" dirty="0" smtClean="0"/>
+          </a:p>
+          <a:p>
+            <a:pPr lvl="1"/>
+            <a:r>
+              <a:rPr lang="en-US" altLang="ko-KR" dirty="0"/>
+              <a:t> </a:t>
+            </a:r>
+            <a:r>
+              <a:rPr lang="ko-KR" altLang="en-US" dirty="0" smtClean="0"/>
+              <a:t>클라이언트</a:t>
+            </a:r>
+            <a:r>
+              <a:rPr lang="en-US" altLang="ko-KR" dirty="0" smtClean="0"/>
+              <a:t>(</a:t>
+            </a:r>
+            <a:r>
+              <a:rPr lang="ko-KR" altLang="en-US" dirty="0" smtClean="0"/>
+              <a:t>개발자</a:t>
+            </a:r>
+            <a:r>
+              <a:rPr lang="en-US" altLang="ko-KR" dirty="0" smtClean="0"/>
+              <a:t>)</a:t>
+            </a:r>
+            <a:r>
+              <a:rPr lang="ko-KR" altLang="en-US" dirty="0" smtClean="0"/>
+              <a:t>는 </a:t>
+            </a:r>
+            <a:r>
+              <a:rPr lang="ko-KR" altLang="en-US" dirty="0" smtClean="0">
+                <a:solidFill>
+                  <a:schemeClr val="accent6"/>
+                </a:solidFill>
+              </a:rPr>
+              <a:t>변경 정보를 서버에서 받아서 적용</a:t>
+            </a:r>
+            <a:endParaRPr lang="en-US" altLang="ko-KR" dirty="0" smtClean="0">
+              <a:solidFill>
+                <a:schemeClr val="accent6"/>
+              </a:solidFill>
+            </a:endParaRPr>
+          </a:p>
+          <a:p>
+            <a:pPr lvl="1"/>
+            <a:r>
+              <a:rPr lang="en-US" altLang="ko-KR" dirty="0"/>
+              <a:t> </a:t>
+            </a:r>
+            <a:r>
+              <a:rPr lang="ko-KR" altLang="en-US" dirty="0" smtClean="0"/>
+              <a:t>관리자에 의한 </a:t>
+            </a:r>
+            <a:r>
+              <a:rPr lang="ko-KR" altLang="en-US" b="1" dirty="0" smtClean="0">
+                <a:solidFill>
+                  <a:schemeClr val="accent6"/>
+                </a:solidFill>
+              </a:rPr>
+              <a:t>중앙 </a:t>
+            </a:r>
+            <a:r>
+              <a:rPr lang="ko-KR" altLang="en-US" b="1" dirty="0" err="1" smtClean="0">
+                <a:solidFill>
+                  <a:schemeClr val="accent6"/>
+                </a:solidFill>
+              </a:rPr>
+              <a:t>집중식</a:t>
+            </a:r>
+            <a:r>
+              <a:rPr lang="ko-KR" altLang="en-US" b="1" dirty="0" smtClean="0">
+                <a:solidFill>
+                  <a:schemeClr val="accent6"/>
+                </a:solidFill>
+              </a:rPr>
+              <a:t> 관리</a:t>
+            </a:r>
+            <a:r>
+              <a:rPr lang="ko-KR" altLang="en-US" dirty="0" smtClean="0"/>
+              <a:t>가 가능</a:t>
+            </a:r>
+            <a:endParaRPr lang="en-US" altLang="ko-KR" dirty="0" smtClean="0"/>
+          </a:p>
+          <a:p>
+            <a:pPr lvl="1"/>
+            <a:r>
+              <a:rPr lang="en-US" altLang="ko-KR" dirty="0"/>
+              <a:t> </a:t>
+            </a:r>
+            <a:r>
+              <a:rPr lang="ko-KR" altLang="en-US" dirty="0" smtClean="0"/>
+              <a:t>모든 클라이언트가 관리된 동일한 파일을 전달 받을 수 있음</a:t>
+            </a:r>
+            <a:endParaRPr lang="en-US" altLang="ko-KR" dirty="0" smtClean="0"/>
+          </a:p>
+          <a:p>
+            <a:pPr lvl="1"/>
+            <a:endParaRPr lang="en-US" altLang="ko-KR" dirty="0"/>
+          </a:p>
+          <a:p>
+            <a:pPr lvl="1"/>
+            <a:r>
+              <a:rPr lang="ko-KR" altLang="en-US" dirty="0" smtClean="0"/>
+              <a:t>문제점</a:t>
+            </a:r>
+            <a:endParaRPr lang="en-US" altLang="ko-KR" dirty="0" smtClean="0"/>
+          </a:p>
+          <a:p>
+            <a:pPr lvl="2"/>
+            <a:r>
+              <a:rPr lang="en-US" altLang="ko-KR" dirty="0"/>
+              <a:t> </a:t>
+            </a:r>
+            <a:r>
+              <a:rPr lang="ko-KR" altLang="en-US" dirty="0" smtClean="0">
+                <a:solidFill>
+                  <a:schemeClr val="accent6"/>
+                </a:solidFill>
+              </a:rPr>
+              <a:t>서버에 문제가 발생할 경우</a:t>
+            </a:r>
+            <a:r>
+              <a:rPr lang="en-US" altLang="ko-KR" dirty="0" smtClean="0"/>
+              <a:t>, </a:t>
+            </a:r>
+            <a:r>
+              <a:rPr lang="ko-KR" altLang="en-US" dirty="0" smtClean="0"/>
+              <a:t>해결할 수 있는 방법이 존재하지 않음</a:t>
+            </a:r>
+            <a:endParaRPr lang="en-US" altLang="ko-KR" dirty="0" smtClean="0"/>
+          </a:p>
+          <a:p>
+            <a:pPr lvl="2"/>
+            <a:r>
+              <a:rPr lang="en-US" altLang="ko-KR" dirty="0"/>
+              <a:t> </a:t>
+            </a:r>
+            <a:r>
+              <a:rPr lang="ko-KR" altLang="en-US" dirty="0" smtClean="0"/>
+              <a:t>개발 시스템 전체가 정지되므로 </a:t>
+            </a:r>
+            <a:r>
+              <a:rPr lang="ko-KR" altLang="en-US" dirty="0" smtClean="0">
+                <a:solidFill>
+                  <a:schemeClr val="accent6"/>
+                </a:solidFill>
+              </a:rPr>
+              <a:t>개발 업무 자체가 중단되는 사태</a:t>
+            </a:r>
+            <a:r>
+              <a:rPr lang="ko-KR" altLang="en-US" dirty="0" smtClean="0"/>
+              <a:t>가 발생</a:t>
+            </a:r>
+            <a:endParaRPr lang="en-US" altLang="ko-KR" dirty="0" smtClean="0"/>
+          </a:p>
+          <a:p>
+            <a:pPr lvl="2"/>
+            <a:r>
+              <a:rPr lang="en-US" altLang="ko-KR" dirty="0"/>
+              <a:t> </a:t>
+            </a:r>
+            <a:r>
+              <a:rPr lang="ko-KR" altLang="en-US" dirty="0" smtClean="0"/>
+              <a:t>서버 디스크에 문제가 발생한 경우</a:t>
+            </a:r>
+            <a:r>
+              <a:rPr lang="en-US" altLang="ko-KR" dirty="0" smtClean="0"/>
+              <a:t>, </a:t>
+            </a:r>
+            <a:r>
+              <a:rPr lang="ko-KR" altLang="en-US" dirty="0" smtClean="0">
+                <a:solidFill>
+                  <a:schemeClr val="accent6"/>
+                </a:solidFill>
+              </a:rPr>
+              <a:t>파일에 대한 전체 </a:t>
+            </a:r>
+            <a:r>
+              <a:rPr lang="en-US" altLang="ko-KR" dirty="0" smtClean="0">
+                <a:solidFill>
+                  <a:schemeClr val="accent6"/>
+                </a:solidFill>
+              </a:rPr>
+              <a:t>History </a:t>
+            </a:r>
+            <a:r>
+              <a:rPr lang="ko-KR" altLang="en-US" dirty="0" smtClean="0">
+                <a:solidFill>
+                  <a:schemeClr val="accent6"/>
+                </a:solidFill>
+              </a:rPr>
+              <a:t>정보를 잃을 수 있음</a:t>
+            </a:r>
+            <a:endParaRPr lang="en-US" altLang="ko-KR" dirty="0" smtClean="0">
+              <a:solidFill>
+                <a:schemeClr val="accent6"/>
+              </a:solidFill>
+            </a:endParaRPr>
+          </a:p>
+          <a:p>
+            <a:pPr lvl="2"/>
+            <a:endParaRPr lang="ko-KR" altLang="en-US" dirty="0"/>
+          </a:p>
+        </p:txBody>
+      </p:sp>
+    </p:spTree>
+    <p:extLst>
+      <p:ext uri="{BB962C8B-B14F-4D97-AF65-F5344CB8AC3E}">
+        <p14:creationId xmlns:p14="http://schemas.microsoft.com/office/powerpoint/2010/main" val="4282539720"/>
+      </p:ext>
+    </p:extLst>
+  </p:cSld>
+  <p:clrMapOvr>
+    <a:masterClrMapping/>
+  </p:clrMapOvr>
+  <p:timing>
+    <p:tnLst>
+      <p:par>
+        <p:cTn id="1" dur="indefinite" restart="never" nodeType="tmRoot"/>
+      </p:par>
+    </p:tnLst>
+  </p:timing>
+</p:sld>
+</file>
+
+<file path=ppt/slides/slide7.xml><?xml version="1.0" encoding="utf-8"?>
+<p:sld xmlns:a="http://schemas.openxmlformats.org/drawingml/2006/main" xmlns:r="http://schemas.openxmlformats.org/officeDocument/2006/relationships" xmlns:p="http://schemas.openxmlformats.org/presentationml/2006/main">
+  <p:cSld>
+    <p:spTree>
+      <p:nvGrpSpPr>
+        <p:cNvPr id="1" name=""/>
+        <p:cNvGrpSpPr/>
+        <p:nvPr/>
+      </p:nvGrpSpPr>
+      <p:grpSpPr>
+        <a:xfrm>
+          <a:off x="0" y="0"/>
+          <a:ext cx="0" cy="0"/>
+          <a:chOff x="0" y="0"/>
+          <a:chExt cx="0" cy="0"/>
+        </a:xfrm>
+      </p:grpSpPr>
+      <p:sp>
+        <p:nvSpPr>
+          <p:cNvPr id="2" name="제목 1"/>
+          <p:cNvSpPr>
+            <a:spLocks noGrp="1"/>
+          </p:cNvSpPr>
+          <p:nvPr>
+            <p:ph type="title"/>
+          </p:nvPr>
+        </p:nvSpPr>
+        <p:spPr/>
+        <p:txBody>
+          <a:bodyPr/>
+          <a:lstStyle/>
+          <a:p>
+            <a:r>
+              <a:rPr lang="ko-KR" altLang="en-US" dirty="0" smtClean="0"/>
               <a:t>분산 버전 관리</a:t>
             </a:r>
             <a:endParaRPr lang="ko-KR" altLang="en-US" dirty="0"/>
@@ -9830,7 +10189,7 @@
 </p:sld>
 </file>
 
-<file path=ppt/slides/slide7.xml><?xml version="1.0" encoding="utf-8"?>
+<file path=ppt/slides/slide8.xml><?xml version="1.0" encoding="utf-8"?>
 <p:sld xmlns:a="http://schemas.openxmlformats.org/drawingml/2006/main" xmlns:r="http://schemas.openxmlformats.org/officeDocument/2006/relationships" xmlns:p="http://schemas.openxmlformats.org/presentationml/2006/main">
   <p:cSld>
     <p:spTree>
@@ -10223,7 +10582,7 @@
 </p:sld>
 </file>
 
-<file path=ppt/slides/slide8.xml><?xml version="1.0" encoding="utf-8"?>
+<file path=ppt/slides/slide9.xml><?xml version="1.0" encoding="utf-8"?>
 <p:sld xmlns:a="http://schemas.openxmlformats.org/drawingml/2006/main" xmlns:r="http://schemas.openxmlformats.org/officeDocument/2006/relationships" xmlns:p="http://schemas.openxmlformats.org/presentationml/2006/main">
   <p:cSld>
     <p:spTree>
@@ -10522,275 +10881,6 @@
     <p:extLst>
       <p:ext uri="{BB962C8B-B14F-4D97-AF65-F5344CB8AC3E}">
         <p14:creationId xmlns:p14="http://schemas.microsoft.com/office/powerpoint/2010/main" val="2004688041"/>
-      </p:ext>
-    </p:extLst>
-  </p:cSld>
-  <p:clrMapOvr>
-    <a:masterClrMapping/>
-  </p:clrMapOvr>
-  <p:timing>
-    <p:tnLst>
-      <p:par>
-        <p:cTn id="1" dur="indefinite" restart="never" nodeType="tmRoot"/>
-      </p:par>
-    </p:tnLst>
-  </p:timing>
-</p:sld>
-</file>
-
-<file path=ppt/slides/slide9.xml><?xml version="1.0" encoding="utf-8"?>
-<p:sld xmlns:a="http://schemas.openxmlformats.org/drawingml/2006/main" xmlns:r="http://schemas.openxmlformats.org/officeDocument/2006/relationships" xmlns:p="http://schemas.openxmlformats.org/presentationml/2006/main">
-  <p:cSld>
-    <p:spTree>
-      <p:nvGrpSpPr>
-        <p:cNvPr id="1" name=""/>
-        <p:cNvGrpSpPr/>
-        <p:nvPr/>
-      </p:nvGrpSpPr>
-      <p:grpSpPr>
-        <a:xfrm>
-          <a:off x="0" y="0"/>
-          <a:ext cx="0" cy="0"/>
-          <a:chOff x="0" y="0"/>
-          <a:chExt cx="0" cy="0"/>
-        </a:xfrm>
-      </p:grpSpPr>
-      <p:sp>
-        <p:nvSpPr>
-          <p:cNvPr id="2" name="제목 1"/>
-          <p:cNvSpPr>
-            <a:spLocks noGrp="1"/>
-          </p:cNvSpPr>
-          <p:nvPr>
-            <p:ph type="title"/>
-          </p:nvPr>
-        </p:nvSpPr>
-        <p:spPr/>
-        <p:txBody>
-          <a:bodyPr/>
-          <a:lstStyle/>
-          <a:p>
-            <a:r>
-              <a:rPr lang="en-US" altLang="ko-KR" dirty="0" err="1" smtClean="0"/>
-              <a:t>git</a:t>
-            </a:r>
-            <a:r>
-              <a:rPr lang="ko-KR" altLang="en-US" dirty="0" smtClean="0"/>
-              <a:t>을 이용한 파일 버전 관리 </a:t>
-            </a:r>
-            <a:r>
-              <a:rPr lang="en-US" altLang="ko-KR" dirty="0" smtClean="0"/>
-              <a:t>– 1</a:t>
-            </a:r>
-            <a:endParaRPr lang="ko-KR" altLang="en-US" dirty="0"/>
-          </a:p>
-        </p:txBody>
-      </p:sp>
-      <p:sp>
-        <p:nvSpPr>
-          <p:cNvPr id="3" name="내용 개체 틀 2"/>
-          <p:cNvSpPr>
-            <a:spLocks noGrp="1"/>
-          </p:cNvSpPr>
-          <p:nvPr>
-            <p:ph idx="1"/>
-          </p:nvPr>
-        </p:nvSpPr>
-        <p:spPr/>
-        <p:txBody>
-          <a:bodyPr/>
-          <a:lstStyle/>
-          <a:p>
-            <a:r>
-              <a:rPr lang="en-US" altLang="ko-KR" dirty="0" smtClean="0"/>
-              <a:t> </a:t>
-            </a:r>
-            <a:r>
-              <a:rPr lang="ko-KR" altLang="en-US" dirty="0" smtClean="0"/>
-              <a:t>스냅샷을 이용한 버전 관리</a:t>
-            </a:r>
-            <a:endParaRPr lang="en-US" altLang="ko-KR" dirty="0" smtClean="0"/>
-          </a:p>
-          <a:p>
-            <a:pPr lvl="1"/>
-            <a:r>
-              <a:rPr lang="ko-KR" altLang="en-US" dirty="0" smtClean="0"/>
-              <a:t> 스냅샷을 이용한 파일 시스템은 </a:t>
-            </a:r>
-            <a:r>
-              <a:rPr lang="ko-KR" altLang="en-US" dirty="0" smtClean="0">
-                <a:solidFill>
-                  <a:schemeClr val="accent6"/>
-                </a:solidFill>
-              </a:rPr>
-              <a:t>변경 전 파일에 대한 정보만 링크</a:t>
-            </a:r>
-            <a:r>
-              <a:rPr lang="ko-KR" altLang="en-US" dirty="0" smtClean="0"/>
-              <a:t>로 사용</a:t>
-            </a:r>
-            <a:endParaRPr lang="en-US" altLang="ko-KR" dirty="0" smtClean="0"/>
-          </a:p>
-          <a:p>
-            <a:pPr lvl="4"/>
-            <a:endParaRPr lang="en-US" altLang="ko-KR" dirty="0" smtClean="0"/>
-          </a:p>
-          <a:p>
-            <a:pPr lvl="1"/>
-            <a:r>
-              <a:rPr lang="en-US" altLang="ko-KR" dirty="0"/>
-              <a:t> </a:t>
-            </a:r>
-            <a:r>
-              <a:rPr lang="ko-KR" altLang="en-US" dirty="0" smtClean="0"/>
-              <a:t>스냅샷 </a:t>
-            </a:r>
-            <a:r>
-              <a:rPr lang="ko-KR" altLang="en-US" dirty="0"/>
-              <a:t>기반 버전 관리 시스템의</a:t>
-            </a:r>
-            <a:r>
-              <a:rPr lang="en-US" altLang="ko-KR" dirty="0"/>
-              <a:t> </a:t>
-            </a:r>
-            <a:r>
-              <a:rPr lang="ko-KR" altLang="en-US" dirty="0" smtClean="0"/>
-              <a:t>사용</a:t>
-            </a:r>
-            <a:endParaRPr lang="en-US" altLang="ko-KR" dirty="0" smtClean="0"/>
-          </a:p>
-          <a:p>
-            <a:pPr lvl="2"/>
-            <a:r>
-              <a:rPr lang="en-US" altLang="ko-KR" dirty="0"/>
-              <a:t> </a:t>
-            </a:r>
-            <a:r>
-              <a:rPr lang="en-US" altLang="ko-KR" dirty="0" smtClean="0"/>
-              <a:t>Version 4</a:t>
-            </a:r>
-            <a:r>
-              <a:rPr lang="ko-KR" altLang="en-US" dirty="0" smtClean="0"/>
-              <a:t>를 </a:t>
-            </a:r>
-            <a:r>
-              <a:rPr lang="ko-KR" altLang="en-US" dirty="0"/>
-              <a:t>가져올</a:t>
-            </a:r>
-            <a:r>
-              <a:rPr lang="en-US" altLang="ko-KR" dirty="0"/>
-              <a:t>(Checkout)</a:t>
-            </a:r>
-            <a:r>
-              <a:rPr lang="ko-KR" altLang="en-US" dirty="0"/>
-              <a:t> </a:t>
-            </a:r>
-            <a:r>
-              <a:rPr lang="ko-KR" altLang="en-US" dirty="0" smtClean="0"/>
-              <a:t>경우</a:t>
-            </a:r>
-            <a:endParaRPr lang="en-US" altLang="ko-KR" dirty="0" smtClean="0"/>
-          </a:p>
-          <a:p>
-            <a:pPr lvl="2"/>
-            <a:r>
-              <a:rPr lang="en-US" altLang="ko-KR" dirty="0"/>
-              <a:t> </a:t>
-            </a:r>
-            <a:r>
-              <a:rPr lang="en-US" altLang="ko-KR" dirty="0" smtClean="0"/>
-              <a:t>A2, B1, C2 </a:t>
-            </a:r>
-            <a:r>
-              <a:rPr lang="ko-KR" altLang="en-US" dirty="0" smtClean="0"/>
-              <a:t>파일을 그대로 가져오기만 하면 문제 해결</a:t>
-            </a:r>
-            <a:endParaRPr lang="en-US" altLang="ko-KR" dirty="0" smtClean="0"/>
-          </a:p>
-          <a:p>
-            <a:pPr lvl="2"/>
-            <a:r>
-              <a:rPr lang="en-US" altLang="ko-KR" dirty="0"/>
-              <a:t> </a:t>
-            </a:r>
-            <a:r>
-              <a:rPr lang="en-US" altLang="ko-KR" dirty="0" smtClean="0"/>
-              <a:t>C2 </a:t>
-            </a:r>
-            <a:r>
-              <a:rPr lang="ko-KR" altLang="en-US" dirty="0" smtClean="0"/>
-              <a:t>파일은 링크로 구성되고</a:t>
-            </a:r>
-            <a:r>
-              <a:rPr lang="en-US" altLang="ko-KR" dirty="0" smtClean="0"/>
-              <a:t>, </a:t>
-            </a:r>
-            <a:r>
-              <a:rPr lang="ko-KR" altLang="en-US" dirty="0" smtClean="0"/>
-              <a:t>변경이 발생하면 </a:t>
-            </a:r>
-            <a:r>
-              <a:rPr lang="en-US" altLang="ko-KR" dirty="0" smtClean="0"/>
-              <a:t>C3</a:t>
-            </a:r>
-            <a:r>
-              <a:rPr lang="ko-KR" altLang="en-US" dirty="0" smtClean="0"/>
-              <a:t>로 저장하면 완료</a:t>
-            </a:r>
-            <a:endParaRPr lang="ko-KR" altLang="en-US" dirty="0"/>
-          </a:p>
-        </p:txBody>
-      </p:sp>
-      <p:pic>
-        <p:nvPicPr>
-          <p:cNvPr id="1026" name="Picture 2" descr="시간순으로 프로젝트의 스냅샷을 저장."/>
-          <p:cNvPicPr>
-            <a:picLocks noChangeAspect="1" noChangeArrowheads="1"/>
-          </p:cNvPicPr>
-          <p:nvPr/>
-        </p:nvPicPr>
-        <p:blipFill>
-          <a:blip r:embed="rId2">
-            <a:extLst>
-              <a:ext uri="{28A0092B-C50C-407E-A947-70E740481C1C}">
-                <a14:useLocalDpi xmlns:a14="http://schemas.microsoft.com/office/drawing/2010/main" val="0"/>
-              </a:ext>
-            </a:extLst>
-          </a:blip>
-          <a:srcRect/>
-          <a:stretch>
-            <a:fillRect/>
-          </a:stretch>
-        </p:blipFill>
-        <p:spPr bwMode="auto">
-          <a:xfrm>
-            <a:off x="783439" y="3548065"/>
-            <a:ext cx="7620000" cy="2905125"/>
-          </a:xfrm>
-          <a:prstGeom prst="rect">
-            <a:avLst/>
-          </a:prstGeom>
-          <a:noFill/>
-          <a:ln>
-            <a:solidFill>
-              <a:schemeClr val="tx1"/>
-            </a:solidFill>
-          </a:ln>
-          <a:extLst>
-            <a:ext uri="{909E8E84-426E-40DD-AFC4-6F175D3DCCD1}">
-              <a14:hiddenFill xmlns:a14="http://schemas.microsoft.com/office/drawing/2010/main">
-                <a:solidFill>
-                  <a:srgbClr val="FFFFFF"/>
-                </a:solidFill>
-              </a14:hiddenFill>
-            </a:ext>
-          </a:extLst>
-        </p:spPr>
-      </p:pic>
-    </p:spTree>
-    <p:extLst>
-      <p:ext uri="{BB962C8B-B14F-4D97-AF65-F5344CB8AC3E}">
-        <p14:creationId xmlns:p14="http://schemas.microsoft.com/office/powerpoint/2010/main" val="1959029731"/>
       </p:ext>
     </p:extLst>
   </p:cSld>
